--- a/Design-Process/software.pptx
+++ b/Design-Process/software.pptx
@@ -128,6 +128,11 @@
       </a:defRPr>
     </a:lvl9pPr>
   </p:defaultTextStyle>
+  <p:extLst>
+    <p:ext uri="{EFAFB233-063F-42B5-8137-9DF3F51BA10A}">
+      <p15:sldGuideLst xmlns:p15="http://schemas.microsoft.com/office/powerpoint/2012/main"/>
+    </p:ext>
+  </p:extLst>
 </p:presentation>
 </file>
 
@@ -213,7 +218,7 @@
           <a:p>
             <a:fld id="{DB63F5DD-563B-4B4C-B050-96F8F4A18F61}" type="datetimeFigureOut">
               <a:rPr lang="en-US" smtClean="0"/>
-              <a:t>1/19/2019</a:t>
+              <a:t>1/21/2019</a:t>
             </a:fld>
             <a:endParaRPr lang="en-US"/>
           </a:p>
@@ -1629,7 +1634,7 @@
           <a:p>
             <a:fld id="{CF3DE414-C289-4E23-BE1B-75622AF87E70}" type="datetimeFigureOut">
               <a:rPr lang="en-US" smtClean="0"/>
-              <a:t>1/19/2019</a:t>
+              <a:t>1/21/2019</a:t>
             </a:fld>
             <a:endParaRPr lang="en-US"/>
           </a:p>
@@ -1880,7 +1885,7 @@
           <a:p>
             <a:fld id="{CF3DE414-C289-4E23-BE1B-75622AF87E70}" type="datetimeFigureOut">
               <a:rPr lang="en-US" smtClean="0"/>
-              <a:t>1/19/2019</a:t>
+              <a:t>1/21/2019</a:t>
             </a:fld>
             <a:endParaRPr lang="en-US"/>
           </a:p>
@@ -2194,7 +2199,7 @@
           <a:p>
             <a:fld id="{CF3DE414-C289-4E23-BE1B-75622AF87E70}" type="datetimeFigureOut">
               <a:rPr lang="en-US" smtClean="0"/>
-              <a:t>1/19/2019</a:t>
+              <a:t>1/21/2019</a:t>
             </a:fld>
             <a:endParaRPr lang="en-US"/>
           </a:p>
@@ -2527,7 +2532,7 @@
           <a:p>
             <a:fld id="{CF3DE414-C289-4E23-BE1B-75622AF87E70}" type="datetimeFigureOut">
               <a:rPr lang="en-US" smtClean="0"/>
-              <a:t>1/19/2019</a:t>
+              <a:t>1/21/2019</a:t>
             </a:fld>
             <a:endParaRPr lang="en-US"/>
           </a:p>
@@ -2841,7 +2846,7 @@
           <a:p>
             <a:fld id="{CF3DE414-C289-4E23-BE1B-75622AF87E70}" type="datetimeFigureOut">
               <a:rPr lang="en-US" smtClean="0"/>
-              <a:t>1/19/2019</a:t>
+              <a:t>1/21/2019</a:t>
             </a:fld>
             <a:endParaRPr lang="en-US"/>
           </a:p>
@@ -3234,7 +3239,7 @@
           <a:p>
             <a:fld id="{CF3DE414-C289-4E23-BE1B-75622AF87E70}" type="datetimeFigureOut">
               <a:rPr lang="en-US" smtClean="0"/>
-              <a:t>1/19/2019</a:t>
+              <a:t>1/21/2019</a:t>
             </a:fld>
             <a:endParaRPr lang="en-US"/>
           </a:p>
@@ -3404,7 +3409,7 @@
           <a:p>
             <a:fld id="{CF3DE414-C289-4E23-BE1B-75622AF87E70}" type="datetimeFigureOut">
               <a:rPr lang="en-US" smtClean="0"/>
-              <a:t>1/19/2019</a:t>
+              <a:t>1/21/2019</a:t>
             </a:fld>
             <a:endParaRPr lang="en-US"/>
           </a:p>
@@ -3584,7 +3589,7 @@
           <a:p>
             <a:fld id="{CF3DE414-C289-4E23-BE1B-75622AF87E70}" type="datetimeFigureOut">
               <a:rPr lang="en-US" smtClean="0"/>
-              <a:t>1/19/2019</a:t>
+              <a:t>1/21/2019</a:t>
             </a:fld>
             <a:endParaRPr lang="en-US"/>
           </a:p>
@@ -3754,7 +3759,7 @@
           <a:p>
             <a:fld id="{CF3DE414-C289-4E23-BE1B-75622AF87E70}" type="datetimeFigureOut">
               <a:rPr lang="en-US" smtClean="0"/>
-              <a:t>1/19/2019</a:t>
+              <a:t>1/21/2019</a:t>
             </a:fld>
             <a:endParaRPr lang="en-US"/>
           </a:p>
@@ -4001,7 +4006,7 @@
           <a:p>
             <a:fld id="{CF3DE414-C289-4E23-BE1B-75622AF87E70}" type="datetimeFigureOut">
               <a:rPr lang="en-US" smtClean="0"/>
-              <a:t>1/19/2019</a:t>
+              <a:t>1/21/2019</a:t>
             </a:fld>
             <a:endParaRPr lang="en-US"/>
           </a:p>
@@ -4233,7 +4238,7 @@
           <a:p>
             <a:fld id="{CF3DE414-C289-4E23-BE1B-75622AF87E70}" type="datetimeFigureOut">
               <a:rPr lang="en-US" smtClean="0"/>
-              <a:t>1/19/2019</a:t>
+              <a:t>1/21/2019</a:t>
             </a:fld>
             <a:endParaRPr lang="en-US"/>
           </a:p>
@@ -4607,7 +4612,7 @@
           <a:p>
             <a:fld id="{CF3DE414-C289-4E23-BE1B-75622AF87E70}" type="datetimeFigureOut">
               <a:rPr lang="en-US" smtClean="0"/>
-              <a:t>1/19/2019</a:t>
+              <a:t>1/21/2019</a:t>
             </a:fld>
             <a:endParaRPr lang="en-US"/>
           </a:p>
@@ -4730,7 +4735,7 @@
           <a:p>
             <a:fld id="{CF3DE414-C289-4E23-BE1B-75622AF87E70}" type="datetimeFigureOut">
               <a:rPr lang="en-US" smtClean="0"/>
-              <a:t>1/19/2019</a:t>
+              <a:t>1/21/2019</a:t>
             </a:fld>
             <a:endParaRPr lang="en-US"/>
           </a:p>
@@ -4825,7 +4830,7 @@
           <a:p>
             <a:fld id="{CF3DE414-C289-4E23-BE1B-75622AF87E70}" type="datetimeFigureOut">
               <a:rPr lang="en-US" smtClean="0"/>
-              <a:t>1/19/2019</a:t>
+              <a:t>1/21/2019</a:t>
             </a:fld>
             <a:endParaRPr lang="en-US"/>
           </a:p>
@@ -5080,7 +5085,7 @@
           <a:p>
             <a:fld id="{CF3DE414-C289-4E23-BE1B-75622AF87E70}" type="datetimeFigureOut">
               <a:rPr lang="en-US" smtClean="0"/>
-              <a:t>1/19/2019</a:t>
+              <a:t>1/21/2019</a:t>
             </a:fld>
             <a:endParaRPr lang="en-US"/>
           </a:p>
@@ -5385,7 +5390,7 @@
           <a:p>
             <a:fld id="{CF3DE414-C289-4E23-BE1B-75622AF87E70}" type="datetimeFigureOut">
               <a:rPr lang="en-US" smtClean="0"/>
-              <a:t>1/19/2019</a:t>
+              <a:t>1/21/2019</a:t>
             </a:fld>
             <a:endParaRPr lang="en-US"/>
           </a:p>
@@ -6087,7 +6092,7 @@
           <a:p>
             <a:fld id="{CF3DE414-C289-4E23-BE1B-75622AF87E70}" type="datetimeFigureOut">
               <a:rPr lang="en-US" smtClean="0"/>
-              <a:t>1/19/2019</a:t>
+              <a:t>1/21/2019</a:t>
             </a:fld>
             <a:endParaRPr lang="en-US"/>
           </a:p>
@@ -7496,7 +7501,7 @@
           <a:p>
             <a:r>
               <a:rPr lang="en-US" dirty="0"/>
-              <a:t>When a request is sent by a pre-confirmed third party, it should be approved, and requested data should be sent the third party</a:t>
+              <a:t>When a request is sent by a pre-confirmed third party, it should be approved, and requested data should be sent to the third party</a:t>
             </a:r>
           </a:p>
         </p:txBody>
@@ -7908,8 +7913,38 @@
         </p:blipFill>
         <p:spPr>
           <a:xfrm>
-            <a:off x="1824037" y="3587432"/>
+            <a:off x="1568310" y="3219450"/>
             <a:ext cx="8543925" cy="1247775"/>
+          </a:xfrm>
+          <a:prstGeom prst="rect">
+            <a:avLst/>
+          </a:prstGeom>
+        </p:spPr>
+      </p:pic>
+      <p:pic>
+        <p:nvPicPr>
+          <p:cNvPr id="4" name="Picture 3">
+            <a:extLst>
+              <a:ext uri="{FF2B5EF4-FFF2-40B4-BE49-F238E27FC236}">
+                <a16:creationId xmlns:a16="http://schemas.microsoft.com/office/drawing/2014/main" id="{06C1F595-9173-4FF1-B281-469A7ECC2F01}"/>
+              </a:ext>
+            </a:extLst>
+          </p:cNvPr>
+          <p:cNvPicPr>
+            <a:picLocks noChangeAspect="1"/>
+          </p:cNvPicPr>
+          <p:nvPr/>
+        </p:nvPicPr>
+        <p:blipFill>
+          <a:blip r:embed="rId3"/>
+          <a:stretch>
+            <a:fillRect/>
+          </a:stretch>
+        </p:blipFill>
+        <p:spPr>
+          <a:xfrm>
+            <a:off x="1824037" y="4464726"/>
+            <a:ext cx="4271963" cy="2296066"/>
           </a:xfrm>
           <a:prstGeom prst="rect">
             <a:avLst/>

--- a/Design-Process/software.pptx
+++ b/Design-Process/software.pptx
@@ -7383,7 +7383,7 @@
         </p:nvSpPr>
         <p:spPr>
           <a:xfrm>
-            <a:off x="1333502" y="609600"/>
+            <a:off x="1416239" y="290979"/>
             <a:ext cx="8596668" cy="1320800"/>
           </a:xfrm>
         </p:spPr>
@@ -7476,8 +7476,8 @@
         </p:nvSpPr>
         <p:spPr>
           <a:xfrm>
-            <a:off x="1627823" y="1785381"/>
-            <a:ext cx="8596668" cy="3880773"/>
+            <a:off x="1573300" y="1293636"/>
+            <a:ext cx="8596668" cy="1940386"/>
           </a:xfrm>
         </p:spPr>
         <p:txBody>
@@ -7503,6 +7503,15 @@
               <a:rPr lang="en-US" dirty="0"/>
               <a:t>When a request is sent by a pre-confirmed third party, it should be approved, and requested data should be sent to the third party</a:t>
             </a:r>
+          </a:p>
+          <a:p>
+            <a:r>
+              <a:rPr lang="en-US" dirty="0"/>
+              <a:t>If the request is approved or rejected there should be one response for this request. Status of the response depends on the status of the request.</a:t>
+            </a:r>
+          </a:p>
+          <a:p>
+            <a:endParaRPr lang="en-US" dirty="0"/>
           </a:p>
         </p:txBody>
       </p:sp>
@@ -7586,8 +7595,38 @@
         </p:blipFill>
         <p:spPr>
           <a:xfrm>
-            <a:off x="1627823" y="3180278"/>
-            <a:ext cx="9131618" cy="1665844"/>
+            <a:off x="1885783" y="3234021"/>
+            <a:ext cx="7657579" cy="1396941"/>
+          </a:xfrm>
+          <a:prstGeom prst="rect">
+            <a:avLst/>
+          </a:prstGeom>
+        </p:spPr>
+      </p:pic>
+      <p:pic>
+        <p:nvPicPr>
+          <p:cNvPr id="6" name="Picture 5">
+            <a:extLst>
+              <a:ext uri="{FF2B5EF4-FFF2-40B4-BE49-F238E27FC236}">
+                <a16:creationId xmlns:a16="http://schemas.microsoft.com/office/drawing/2014/main" id="{9FE5F52E-231C-4967-99C5-64AF3E2BC385}"/>
+              </a:ext>
+            </a:extLst>
+          </p:cNvPr>
+          <p:cNvPicPr>
+            <a:picLocks noChangeAspect="1"/>
+          </p:cNvPicPr>
+          <p:nvPr/>
+        </p:nvPicPr>
+        <p:blipFill>
+          <a:blip r:embed="rId3"/>
+          <a:stretch>
+            <a:fillRect/>
+          </a:stretch>
+        </p:blipFill>
+        <p:spPr>
+          <a:xfrm>
+            <a:off x="1885783" y="4613696"/>
+            <a:ext cx="6534150" cy="2057400"/>
           </a:xfrm>
           <a:prstGeom prst="rect">
             <a:avLst/>
@@ -7710,7 +7749,7 @@
         </p:nvSpPr>
         <p:spPr>
           <a:xfrm>
-            <a:off x="1333502" y="609600"/>
+            <a:off x="1515567" y="372832"/>
             <a:ext cx="8596668" cy="1320800"/>
           </a:xfrm>
         </p:spPr>
@@ -7803,7 +7842,7 @@
         </p:nvSpPr>
         <p:spPr>
           <a:xfrm>
-            <a:off x="1333502" y="2160589"/>
+            <a:off x="1568310" y="1554827"/>
             <a:ext cx="8596668" cy="3880773"/>
           </a:xfrm>
         </p:spPr>
@@ -7913,7 +7952,7 @@
         </p:blipFill>
         <p:spPr>
           <a:xfrm>
-            <a:off x="1568310" y="3219450"/>
+            <a:off x="1541938" y="3052099"/>
             <a:ext cx="8543925" cy="1247775"/>
           </a:xfrm>
           <a:prstGeom prst="rect">
@@ -7943,7 +7982,7 @@
         </p:blipFill>
         <p:spPr>
           <a:xfrm>
-            <a:off x="1824037" y="4464726"/>
+            <a:off x="1599670" y="4430904"/>
             <a:ext cx="4271963" cy="2296066"/>
           </a:xfrm>
           <a:prstGeom prst="rect">
@@ -12906,7 +12945,7 @@
                   <a:srgbClr val="000000"/>
                 </a:solidFill>
               </a:rPr>
-              <a:t>Sending a notification to the nearest hospital</a:t>
+              <a:t>Sending a notification to the nearest hospital in case of emergency</a:t>
             </a:r>
           </a:p>
           <a:p>
@@ -15226,13 +15265,13 @@
         </p:nvSpPr>
         <p:spPr>
           <a:xfrm>
-            <a:off x="1333502" y="1713549"/>
-            <a:ext cx="8596668" cy="3880773"/>
+            <a:off x="1333501" y="1713549"/>
+            <a:ext cx="8988849" cy="3880773"/>
           </a:xfrm>
         </p:spPr>
         <p:txBody>
           <a:bodyPr>
-            <a:normAutofit lnSpcReduction="10000"/>
+            <a:normAutofit/>
           </a:bodyPr>
           <a:lstStyle/>
           <a:p>
@@ -15960,7 +15999,7 @@
         <p:spPr>
           <a:xfrm>
             <a:off x="1333502" y="1785381"/>
-            <a:ext cx="8596668" cy="3880773"/>
+            <a:ext cx="9064263" cy="3880773"/>
           </a:xfrm>
         </p:spPr>
         <p:txBody>

--- a/Design-Process/software.pptx
+++ b/Design-Process/software.pptx
@@ -5,7 +5,7 @@
     <p:sldMasterId id="2147483847" r:id="rId1"/>
   </p:sldMasterIdLst>
   <p:notesMasterIdLst>
-    <p:notesMasterId r:id="rId24"/>
+    <p:notesMasterId r:id="rId25"/>
   </p:notesMasterIdLst>
   <p:sldIdLst>
     <p:sldId id="256" r:id="rId2"/>
@@ -22,14 +22,15 @@
     <p:sldId id="273" r:id="rId13"/>
     <p:sldId id="274" r:id="rId14"/>
     <p:sldId id="275" r:id="rId15"/>
-    <p:sldId id="276" r:id="rId16"/>
-    <p:sldId id="277" r:id="rId17"/>
-    <p:sldId id="278" r:id="rId18"/>
-    <p:sldId id="280" r:id="rId19"/>
-    <p:sldId id="281" r:id="rId20"/>
-    <p:sldId id="282" r:id="rId21"/>
-    <p:sldId id="283" r:id="rId22"/>
-    <p:sldId id="284" r:id="rId23"/>
+    <p:sldId id="285" r:id="rId16"/>
+    <p:sldId id="276" r:id="rId17"/>
+    <p:sldId id="277" r:id="rId18"/>
+    <p:sldId id="278" r:id="rId19"/>
+    <p:sldId id="280" r:id="rId20"/>
+    <p:sldId id="281" r:id="rId21"/>
+    <p:sldId id="282" r:id="rId22"/>
+    <p:sldId id="283" r:id="rId23"/>
+    <p:sldId id="284" r:id="rId24"/>
   </p:sldIdLst>
   <p:sldSz cx="12192000" cy="6858000"/>
   <p:notesSz cx="6858000" cy="9144000"/>
@@ -218,7 +219,7 @@
           <a:p>
             <a:fld id="{DB63F5DD-563B-4B4C-B050-96F8F4A18F61}" type="datetimeFigureOut">
               <a:rPr lang="en-US" smtClean="0"/>
-              <a:t>1/21/2019</a:t>
+              <a:t>1/22/2019</a:t>
             </a:fld>
             <a:endParaRPr lang="en-US"/>
           </a:p>
@@ -843,6 +844,93 @@
           <a:p>
             <a:r>
               <a:rPr lang="en-US" dirty="0"/>
+              <a:t>3 tiered architecture</a:t>
+            </a:r>
+          </a:p>
+        </p:txBody>
+      </p:sp>
+      <p:sp>
+        <p:nvSpPr>
+          <p:cNvPr id="4" name="Slide Number Placeholder 3"/>
+          <p:cNvSpPr>
+            <a:spLocks noGrp="1"/>
+          </p:cNvSpPr>
+          <p:nvPr>
+            <p:ph type="sldNum" sz="quarter" idx="5"/>
+          </p:nvPr>
+        </p:nvSpPr>
+        <p:spPr/>
+        <p:txBody>
+          <a:bodyPr/>
+          <a:lstStyle/>
+          <a:p>
+            <a:fld id="{4D79597A-79CF-4CA3-8A59-30D1D7618558}" type="slidenum">
+              <a:rPr lang="en-US" smtClean="0"/>
+              <a:t>15</a:t>
+            </a:fld>
+            <a:endParaRPr lang="en-US"/>
+          </a:p>
+        </p:txBody>
+      </p:sp>
+    </p:spTree>
+    <p:extLst>
+      <p:ext uri="{BB962C8B-B14F-4D97-AF65-F5344CB8AC3E}">
+        <p14:creationId xmlns:p14="http://schemas.microsoft.com/office/powerpoint/2010/main" val="2663900658"/>
+      </p:ext>
+    </p:extLst>
+  </p:cSld>
+  <p:clrMapOvr>
+    <a:masterClrMapping/>
+  </p:clrMapOvr>
+</p:notes>
+</file>
+
+<file path=ppt/notesSlides/notesSlide5.xml><?xml version="1.0" encoding="utf-8"?>
+<p:notes xmlns:a="http://schemas.openxmlformats.org/drawingml/2006/main" xmlns:r="http://schemas.openxmlformats.org/officeDocument/2006/relationships" xmlns:p="http://schemas.openxmlformats.org/presentationml/2006/main">
+  <p:cSld>
+    <p:spTree>
+      <p:nvGrpSpPr>
+        <p:cNvPr id="1" name=""/>
+        <p:cNvGrpSpPr/>
+        <p:nvPr/>
+      </p:nvGrpSpPr>
+      <p:grpSpPr>
+        <a:xfrm>
+          <a:off x="0" y="0"/>
+          <a:ext cx="0" cy="0"/>
+          <a:chOff x="0" y="0"/>
+          <a:chExt cx="0" cy="0"/>
+        </a:xfrm>
+      </p:grpSpPr>
+      <p:sp>
+        <p:nvSpPr>
+          <p:cNvPr id="2" name="Slide Image Placeholder 1"/>
+          <p:cNvSpPr>
+            <a:spLocks noGrp="1" noRot="1" noChangeAspect="1"/>
+          </p:cNvSpPr>
+          <p:nvPr>
+            <p:ph type="sldImg"/>
+          </p:nvPr>
+        </p:nvSpPr>
+        <p:spPr/>
+      </p:sp>
+      <p:sp>
+        <p:nvSpPr>
+          <p:cNvPr id="3" name="Notes Placeholder 2"/>
+          <p:cNvSpPr>
+            <a:spLocks noGrp="1"/>
+          </p:cNvSpPr>
+          <p:nvPr>
+            <p:ph type="body" idx="1"/>
+          </p:nvPr>
+        </p:nvSpPr>
+        <p:spPr/>
+        <p:txBody>
+          <a:bodyPr/>
+          <a:lstStyle/>
+          <a:p>
+            <a:r>
+              <a:rPr lang="en-US" dirty="0"/>
               <a:t>DBMS </a:t>
             </a:r>
             <a:r>
@@ -870,7 +958,7 @@
           <a:p>
             <a:fld id="{4D79597A-79CF-4CA3-8A59-30D1D7618558}" type="slidenum">
               <a:rPr lang="en-US" smtClean="0"/>
-              <a:t>19</a:t>
+              <a:t>20</a:t>
             </a:fld>
             <a:endParaRPr lang="en-US"/>
           </a:p>
@@ -1634,7 +1722,7 @@
           <a:p>
             <a:fld id="{CF3DE414-C289-4E23-BE1B-75622AF87E70}" type="datetimeFigureOut">
               <a:rPr lang="en-US" smtClean="0"/>
-              <a:t>1/21/2019</a:t>
+              <a:t>1/22/2019</a:t>
             </a:fld>
             <a:endParaRPr lang="en-US"/>
           </a:p>
@@ -1885,7 +1973,7 @@
           <a:p>
             <a:fld id="{CF3DE414-C289-4E23-BE1B-75622AF87E70}" type="datetimeFigureOut">
               <a:rPr lang="en-US" smtClean="0"/>
-              <a:t>1/21/2019</a:t>
+              <a:t>1/22/2019</a:t>
             </a:fld>
             <a:endParaRPr lang="en-US"/>
           </a:p>
@@ -2199,7 +2287,7 @@
           <a:p>
             <a:fld id="{CF3DE414-C289-4E23-BE1B-75622AF87E70}" type="datetimeFigureOut">
               <a:rPr lang="en-US" smtClean="0"/>
-              <a:t>1/21/2019</a:t>
+              <a:t>1/22/2019</a:t>
             </a:fld>
             <a:endParaRPr lang="en-US"/>
           </a:p>
@@ -2532,7 +2620,7 @@
           <a:p>
             <a:fld id="{CF3DE414-C289-4E23-BE1B-75622AF87E70}" type="datetimeFigureOut">
               <a:rPr lang="en-US" smtClean="0"/>
-              <a:t>1/21/2019</a:t>
+              <a:t>1/22/2019</a:t>
             </a:fld>
             <a:endParaRPr lang="en-US"/>
           </a:p>
@@ -2846,7 +2934,7 @@
           <a:p>
             <a:fld id="{CF3DE414-C289-4E23-BE1B-75622AF87E70}" type="datetimeFigureOut">
               <a:rPr lang="en-US" smtClean="0"/>
-              <a:t>1/21/2019</a:t>
+              <a:t>1/22/2019</a:t>
             </a:fld>
             <a:endParaRPr lang="en-US"/>
           </a:p>
@@ -3239,7 +3327,7 @@
           <a:p>
             <a:fld id="{CF3DE414-C289-4E23-BE1B-75622AF87E70}" type="datetimeFigureOut">
               <a:rPr lang="en-US" smtClean="0"/>
-              <a:t>1/21/2019</a:t>
+              <a:t>1/22/2019</a:t>
             </a:fld>
             <a:endParaRPr lang="en-US"/>
           </a:p>
@@ -3409,7 +3497,7 @@
           <a:p>
             <a:fld id="{CF3DE414-C289-4E23-BE1B-75622AF87E70}" type="datetimeFigureOut">
               <a:rPr lang="en-US" smtClean="0"/>
-              <a:t>1/21/2019</a:t>
+              <a:t>1/22/2019</a:t>
             </a:fld>
             <a:endParaRPr lang="en-US"/>
           </a:p>
@@ -3589,7 +3677,7 @@
           <a:p>
             <a:fld id="{CF3DE414-C289-4E23-BE1B-75622AF87E70}" type="datetimeFigureOut">
               <a:rPr lang="en-US" smtClean="0"/>
-              <a:t>1/21/2019</a:t>
+              <a:t>1/22/2019</a:t>
             </a:fld>
             <a:endParaRPr lang="en-US"/>
           </a:p>
@@ -3759,7 +3847,7 @@
           <a:p>
             <a:fld id="{CF3DE414-C289-4E23-BE1B-75622AF87E70}" type="datetimeFigureOut">
               <a:rPr lang="en-US" smtClean="0"/>
-              <a:t>1/21/2019</a:t>
+              <a:t>1/22/2019</a:t>
             </a:fld>
             <a:endParaRPr lang="en-US"/>
           </a:p>
@@ -4006,7 +4094,7 @@
           <a:p>
             <a:fld id="{CF3DE414-C289-4E23-BE1B-75622AF87E70}" type="datetimeFigureOut">
               <a:rPr lang="en-US" smtClean="0"/>
-              <a:t>1/21/2019</a:t>
+              <a:t>1/22/2019</a:t>
             </a:fld>
             <a:endParaRPr lang="en-US"/>
           </a:p>
@@ -4238,7 +4326,7 @@
           <a:p>
             <a:fld id="{CF3DE414-C289-4E23-BE1B-75622AF87E70}" type="datetimeFigureOut">
               <a:rPr lang="en-US" smtClean="0"/>
-              <a:t>1/21/2019</a:t>
+              <a:t>1/22/2019</a:t>
             </a:fld>
             <a:endParaRPr lang="en-US"/>
           </a:p>
@@ -4612,7 +4700,7 @@
           <a:p>
             <a:fld id="{CF3DE414-C289-4E23-BE1B-75622AF87E70}" type="datetimeFigureOut">
               <a:rPr lang="en-US" smtClean="0"/>
-              <a:t>1/21/2019</a:t>
+              <a:t>1/22/2019</a:t>
             </a:fld>
             <a:endParaRPr lang="en-US"/>
           </a:p>
@@ -4735,7 +4823,7 @@
           <a:p>
             <a:fld id="{CF3DE414-C289-4E23-BE1B-75622AF87E70}" type="datetimeFigureOut">
               <a:rPr lang="en-US" smtClean="0"/>
-              <a:t>1/21/2019</a:t>
+              <a:t>1/22/2019</a:t>
             </a:fld>
             <a:endParaRPr lang="en-US"/>
           </a:p>
@@ -4830,7 +4918,7 @@
           <a:p>
             <a:fld id="{CF3DE414-C289-4E23-BE1B-75622AF87E70}" type="datetimeFigureOut">
               <a:rPr lang="en-US" smtClean="0"/>
-              <a:t>1/21/2019</a:t>
+              <a:t>1/22/2019</a:t>
             </a:fld>
             <a:endParaRPr lang="en-US"/>
           </a:p>
@@ -5085,7 +5173,7 @@
           <a:p>
             <a:fld id="{CF3DE414-C289-4E23-BE1B-75622AF87E70}" type="datetimeFigureOut">
               <a:rPr lang="en-US" smtClean="0"/>
-              <a:t>1/21/2019</a:t>
+              <a:t>1/22/2019</a:t>
             </a:fld>
             <a:endParaRPr lang="en-US"/>
           </a:p>
@@ -5390,7 +5478,7 @@
           <a:p>
             <a:fld id="{CF3DE414-C289-4E23-BE1B-75622AF87E70}" type="datetimeFigureOut">
               <a:rPr lang="en-US" smtClean="0"/>
-              <a:t>1/21/2019</a:t>
+              <a:t>1/22/2019</a:t>
             </a:fld>
             <a:endParaRPr lang="en-US"/>
           </a:p>
@@ -6092,7 +6180,7 @@
           <a:p>
             <a:fld id="{CF3DE414-C289-4E23-BE1B-75622AF87E70}" type="datetimeFigureOut">
               <a:rPr lang="en-US" smtClean="0"/>
-              <a:t>1/21/2019</a:t>
+              <a:t>1/22/2019</a:t>
             </a:fld>
             <a:endParaRPr lang="en-US"/>
           </a:p>
@@ -8200,7 +8288,7 @@
         <p:spPr>
           <a:xfrm>
             <a:off x="1252222" y="1628400"/>
-            <a:ext cx="8596668" cy="1887279"/>
+            <a:ext cx="8677948" cy="1887279"/>
           </a:xfrm>
         </p:spPr>
         <p:txBody>
@@ -8230,15 +8318,7 @@
           <a:p>
             <a:r>
               <a:rPr lang="en-US" dirty="0"/>
-              <a:t> In order to attend, the runner individual must activate Track4Run. </a:t>
-            </a:r>
-            <a:r>
-              <a:rPr lang="en-US" dirty="0" err="1"/>
-              <a:t>Also,the</a:t>
-            </a:r>
-            <a:r>
-              <a:rPr lang="en-US" dirty="0"/>
-              <a:t> third party must activate Track4Run service to organize a run</a:t>
+              <a:t> In order to attend, the runner individual must activate Track4Run. Also, the third party must activate Track4Run service to organize a run</a:t>
             </a:r>
           </a:p>
           <a:p>
@@ -8662,7 +8742,7 @@
 </file>
 
 <file path=ppt/slides/slide15.xml><?xml version="1.0" encoding="utf-8"?>
-<p:sld xmlns:a="http://schemas.openxmlformats.org/drawingml/2006/main" xmlns:r="http://schemas.openxmlformats.org/officeDocument/2006/relationships" xmlns:p="http://schemas.openxmlformats.org/presentationml/2006/main">
+<p:sld xmlns:a="http://schemas.openxmlformats.org/drawingml/2006/main" xmlns:r="http://schemas.openxmlformats.org/officeDocument/2006/relationships" xmlns:p="http://schemas.openxmlformats.org/presentationml/2006/main" show="0">
   <p:cSld>
     <p:bg>
       <p:bgPr>
@@ -8688,7 +8768,7 @@
       </p:grpSpPr>
       <p:sp useBgFill="1">
         <p:nvSpPr>
-          <p:cNvPr id="8" name="Rectangle 7">
+          <p:cNvPr id="11" name="Rectangle 10">
             <a:extLst>
               <a:ext uri="{FF2B5EF4-FFF2-40B4-BE49-F238E27FC236}">
                 <a16:creationId xmlns:a16="http://schemas.microsoft.com/office/drawing/2014/main" id="{E80B86A7-A1EC-475B-9166-88902B033A38}"/>
@@ -8748,10 +8828,10 @@
       </p:sp>
       <p:sp>
         <p:nvSpPr>
-          <p:cNvPr id="2" name="Title 1">
+          <p:cNvPr id="6" name="Title 5">
             <a:extLst>
               <a:ext uri="{FF2B5EF4-FFF2-40B4-BE49-F238E27FC236}">
-                <a16:creationId xmlns:a16="http://schemas.microsoft.com/office/drawing/2014/main" id="{132022DE-037E-4CB2-B1E2-5007E1AA0EE2}"/>
+                <a16:creationId xmlns:a16="http://schemas.microsoft.com/office/drawing/2014/main" id="{3196FDF3-2B59-4695-869E-00299DD9492D}"/>
               </a:ext>
             </a:extLst>
           </p:cNvPr>
@@ -8776,14 +8856,14 @@
           <a:p>
             <a:r>
               <a:rPr lang="en-US" dirty="0"/>
-              <a:t>COMPONENTS DIAGRAM</a:t>
-            </a:r>
-          </a:p>
-        </p:txBody>
-      </p:sp>
-      <p:sp>
-        <p:nvSpPr>
-          <p:cNvPr id="10" name="Isosceles Triangle 9">
+              <a:t>DEPLOYMENT VIEW</a:t>
+            </a:r>
+          </a:p>
+        </p:txBody>
+      </p:sp>
+      <p:sp>
+        <p:nvSpPr>
+          <p:cNvPr id="13" name="Isosceles Triangle 12">
             <a:extLst>
               <a:ext uri="{FF2B5EF4-FFF2-40B4-BE49-F238E27FC236}">
                 <a16:creationId xmlns:a16="http://schemas.microsoft.com/office/drawing/2014/main" id="{C2C29CB1-9F74-4879-A6AF-AEA67B6F1F4D}"/>
@@ -8839,9 +8919,44 @@
           </a:fontRef>
         </p:style>
       </p:sp>
-      <p:sp>
-        <p:nvSpPr>
-          <p:cNvPr id="12" name="Isosceles Triangle 11">
+      <p:pic>
+        <p:nvPicPr>
+          <p:cNvPr id="7" name="Content Placeholder 6">
+            <a:extLst>
+              <a:ext uri="{FF2B5EF4-FFF2-40B4-BE49-F238E27FC236}">
+                <a16:creationId xmlns:a16="http://schemas.microsoft.com/office/drawing/2014/main" id="{0683081B-0AFB-492B-8B0F-2B299216AA0E}"/>
+              </a:ext>
+            </a:extLst>
+          </p:cNvPr>
+          <p:cNvPicPr>
+            <a:picLocks noGrp="1" noChangeAspect="1"/>
+          </p:cNvPicPr>
+          <p:nvPr>
+            <p:ph idx="1"/>
+          </p:nvPr>
+        </p:nvPicPr>
+        <p:blipFill>
+          <a:blip r:embed="rId3">
+            <a:extLst>
+              <a:ext uri="{28A0092B-C50C-407E-A947-70E740481C1C}">
+                <a14:useLocalDpi xmlns:a14="http://schemas.microsoft.com/office/drawing/2010/main" val="0"/>
+              </a:ext>
+            </a:extLst>
+          </a:blip>
+          <a:stretch>
+            <a:fillRect/>
+          </a:stretch>
+        </p:blipFill>
+        <p:spPr>
+          <a:xfrm>
+            <a:off x="2366728" y="1595336"/>
+            <a:ext cx="7133585" cy="5106146"/>
+          </a:xfrm>
+        </p:spPr>
+      </p:pic>
+      <p:sp>
+        <p:nvSpPr>
+          <p:cNvPr id="15" name="Isosceles Triangle 14">
             <a:extLst>
               <a:ext uri="{FF2B5EF4-FFF2-40B4-BE49-F238E27FC236}">
                 <a16:creationId xmlns:a16="http://schemas.microsoft.com/office/drawing/2014/main" id="{7E2C7115-5336-410C-AD71-0F0952A2E5A7}"/>
@@ -8897,46 +9012,10 @@
           </a:fontRef>
         </p:style>
       </p:sp>
-      <p:pic>
-        <p:nvPicPr>
-          <p:cNvPr id="6" name="Picture 5">
-            <a:extLst>
-              <a:ext uri="{FF2B5EF4-FFF2-40B4-BE49-F238E27FC236}">
-                <a16:creationId xmlns:a16="http://schemas.microsoft.com/office/drawing/2014/main" id="{AF343788-B21A-4A3B-BDFB-6918F668660E}"/>
-              </a:ext>
-            </a:extLst>
-          </p:cNvPr>
-          <p:cNvPicPr>
-            <a:picLocks noChangeAspect="1"/>
-          </p:cNvPicPr>
-          <p:nvPr/>
-        </p:nvPicPr>
-        <p:blipFill>
-          <a:blip r:embed="rId2">
-            <a:extLst>
-              <a:ext uri="{28A0092B-C50C-407E-A947-70E740481C1C}">
-                <a14:useLocalDpi xmlns:a14="http://schemas.microsoft.com/office/drawing/2010/main" val="0"/>
-              </a:ext>
-            </a:extLst>
-          </a:blip>
-          <a:stretch>
-            <a:fillRect/>
-          </a:stretch>
-        </p:blipFill>
-        <p:spPr>
-          <a:xfrm>
-            <a:off x="1004994" y="1686543"/>
-            <a:ext cx="9733280" cy="4371892"/>
-          </a:xfrm>
-          <a:prstGeom prst="rect">
-            <a:avLst/>
-          </a:prstGeom>
-        </p:spPr>
-      </p:pic>
     </p:spTree>
     <p:extLst>
       <p:ext uri="{BB962C8B-B14F-4D97-AF65-F5344CB8AC3E}">
-        <p14:creationId xmlns:p14="http://schemas.microsoft.com/office/powerpoint/2010/main" val="3112603075"/>
+        <p14:creationId xmlns:p14="http://schemas.microsoft.com/office/powerpoint/2010/main" val="2434966592"/>
       </p:ext>
     </p:extLst>
   </p:cSld>
@@ -9036,7 +9115,7 @@
           <p:cNvPr id="2" name="Title 1">
             <a:extLst>
               <a:ext uri="{FF2B5EF4-FFF2-40B4-BE49-F238E27FC236}">
-                <a16:creationId xmlns:a16="http://schemas.microsoft.com/office/drawing/2014/main" id="{26F50D8F-48B7-4A51-9F54-16C0BBD14202}"/>
+                <a16:creationId xmlns:a16="http://schemas.microsoft.com/office/drawing/2014/main" id="{132022DE-037E-4CB2-B1E2-5007E1AA0EE2}"/>
               </a:ext>
             </a:extLst>
           </p:cNvPr>
@@ -9049,7 +9128,7 @@
         </p:nvSpPr>
         <p:spPr>
           <a:xfrm>
-            <a:off x="1099822" y="267286"/>
+            <a:off x="1333502" y="609600"/>
             <a:ext cx="8596668" cy="1320800"/>
           </a:xfrm>
         </p:spPr>
@@ -9061,7 +9140,7 @@
           <a:p>
             <a:r>
               <a:rPr lang="en-US" dirty="0"/>
-              <a:t>COMPONENT INTERFACES</a:t>
+              <a:t>COMPONENTS DIAGRAM</a:t>
             </a:r>
           </a:p>
         </p:txBody>
@@ -9184,10 +9263,10 @@
       </p:sp>
       <p:pic>
         <p:nvPicPr>
-          <p:cNvPr id="5" name="Picture 4">
+          <p:cNvPr id="6" name="Picture 5">
             <a:extLst>
               <a:ext uri="{FF2B5EF4-FFF2-40B4-BE49-F238E27FC236}">
-                <a16:creationId xmlns:a16="http://schemas.microsoft.com/office/drawing/2014/main" id="{8B6DE927-E059-4F05-B6F2-D098A6F47DC6}"/>
+                <a16:creationId xmlns:a16="http://schemas.microsoft.com/office/drawing/2014/main" id="{AF343788-B21A-4A3B-BDFB-6918F668660E}"/>
               </a:ext>
             </a:extLst>
           </p:cNvPr>
@@ -9210,8 +9289,8 @@
         </p:blipFill>
         <p:spPr>
           <a:xfrm>
-            <a:off x="2495510" y="1186663"/>
-            <a:ext cx="6221770" cy="5404051"/>
+            <a:off x="1004994" y="1686543"/>
+            <a:ext cx="9733280" cy="4371892"/>
           </a:xfrm>
           <a:prstGeom prst="rect">
             <a:avLst/>
@@ -9221,7 +9300,7 @@
     </p:spTree>
     <p:extLst>
       <p:ext uri="{BB962C8B-B14F-4D97-AF65-F5344CB8AC3E}">
-        <p14:creationId xmlns:p14="http://schemas.microsoft.com/office/powerpoint/2010/main" val="3691019686"/>
+        <p14:creationId xmlns:p14="http://schemas.microsoft.com/office/powerpoint/2010/main" val="3112603075"/>
       </p:ext>
     </p:extLst>
   </p:cSld>
@@ -9258,10 +9337,10 @@
       </p:grpSpPr>
       <p:sp useBgFill="1">
         <p:nvSpPr>
-          <p:cNvPr id="13" name="Rectangle 12">
+          <p:cNvPr id="8" name="Rectangle 7">
             <a:extLst>
               <a:ext uri="{FF2B5EF4-FFF2-40B4-BE49-F238E27FC236}">
-                <a16:creationId xmlns:a16="http://schemas.microsoft.com/office/drawing/2014/main" id="{45B71F80-1F92-4074-84D9-16A062B215B3}"/>
+                <a16:creationId xmlns:a16="http://schemas.microsoft.com/office/drawing/2014/main" id="{E80B86A7-A1EC-475B-9166-88902B033A38}"/>
               </a:ext>
               <a:ext uri="{C183D7F6-B498-43B3-948B-1728B52AA6E4}">
                 <adec:decorative xmlns:adec="http://schemas.microsoft.com/office/drawing/2017/decorative" val="1"/>
@@ -9321,7 +9400,7 @@
           <p:cNvPr id="2" name="Title 1">
             <a:extLst>
               <a:ext uri="{FF2B5EF4-FFF2-40B4-BE49-F238E27FC236}">
-                <a16:creationId xmlns:a16="http://schemas.microsoft.com/office/drawing/2014/main" id="{5BA3146C-DE20-40D6-BBF1-FE3013A0DF7F}"/>
+                <a16:creationId xmlns:a16="http://schemas.microsoft.com/office/drawing/2014/main" id="{26F50D8F-48B7-4A51-9F54-16C0BBD14202}"/>
               </a:ext>
             </a:extLst>
           </p:cNvPr>
@@ -9334,8 +9413,8 @@
         </p:nvSpPr>
         <p:spPr>
           <a:xfrm>
-            <a:off x="1286933" y="609600"/>
-            <a:ext cx="10197494" cy="1099457"/>
+            <a:off x="1099822" y="267286"/>
+            <a:ext cx="8596668" cy="1320800"/>
           </a:xfrm>
         </p:spPr>
         <p:txBody>
@@ -9346,17 +9425,17 @@
           <a:p>
             <a:r>
               <a:rPr lang="en-US" dirty="0"/>
-              <a:t>ARCHTECTURAL STYLES</a:t>
-            </a:r>
-          </a:p>
-        </p:txBody>
-      </p:sp>
-      <p:sp>
-        <p:nvSpPr>
-          <p:cNvPr id="15" name="Isosceles Triangle 14">
+              <a:t>COMPONENT INTERFACES</a:t>
+            </a:r>
+          </a:p>
+        </p:txBody>
+      </p:sp>
+      <p:sp>
+        <p:nvSpPr>
+          <p:cNvPr id="10" name="Isosceles Triangle 9">
             <a:extLst>
               <a:ext uri="{FF2B5EF4-FFF2-40B4-BE49-F238E27FC236}">
-                <a16:creationId xmlns:a16="http://schemas.microsoft.com/office/drawing/2014/main" id="{7209C9DA-6E0D-46D9-8275-C52222D8CCAC}"/>
+                <a16:creationId xmlns:a16="http://schemas.microsoft.com/office/drawing/2014/main" id="{C2C29CB1-9F74-4879-A6AF-AEA67B6F1F4D}"/>
               </a:ext>
               <a:ext uri="{C183D7F6-B498-43B3-948B-1728B52AA6E4}">
                 <adec:decorative xmlns:adec="http://schemas.microsoft.com/office/drawing/2017/decorative" val="1"/>
@@ -9411,10 +9490,10 @@
       </p:sp>
       <p:sp>
         <p:nvSpPr>
-          <p:cNvPr id="17" name="Isosceles Triangle 16">
+          <p:cNvPr id="12" name="Isosceles Triangle 11">
             <a:extLst>
               <a:ext uri="{FF2B5EF4-FFF2-40B4-BE49-F238E27FC236}">
-                <a16:creationId xmlns:a16="http://schemas.microsoft.com/office/drawing/2014/main" id="{3EB57A4D-E0D0-46DA-B339-F24CA46FA70B}"/>
+                <a16:creationId xmlns:a16="http://schemas.microsoft.com/office/drawing/2014/main" id="{7E2C7115-5336-410C-AD71-0F0952A2E5A7}"/>
               </a:ext>
               <a:ext uri="{C183D7F6-B498-43B3-948B-1728B52AA6E4}">
                 <adec:decorative xmlns:adec="http://schemas.microsoft.com/office/drawing/2017/decorative" val="1"/>
@@ -9469,10 +9548,10 @@
       </p:sp>
       <p:pic>
         <p:nvPicPr>
-          <p:cNvPr id="9" name="Picture 8">
+          <p:cNvPr id="5" name="Picture 4">
             <a:extLst>
               <a:ext uri="{FF2B5EF4-FFF2-40B4-BE49-F238E27FC236}">
-                <a16:creationId xmlns:a16="http://schemas.microsoft.com/office/drawing/2014/main" id="{0694CDF4-9642-4A22-B01C-2E3B011C648D}"/>
+                <a16:creationId xmlns:a16="http://schemas.microsoft.com/office/drawing/2014/main" id="{8B6DE927-E059-4F05-B6F2-D098A6F47DC6}"/>
               </a:ext>
             </a:extLst>
           </p:cNvPr>
@@ -9482,268 +9561,31 @@
           <p:nvPr/>
         </p:nvPicPr>
         <p:blipFill>
-          <a:blip r:embed="rId2"/>
+          <a:blip r:embed="rId2">
+            <a:extLst>
+              <a:ext uri="{28A0092B-C50C-407E-A947-70E740481C1C}">
+                <a14:useLocalDpi xmlns:a14="http://schemas.microsoft.com/office/drawing/2010/main" val="0"/>
+              </a:ext>
+            </a:extLst>
+          </a:blip>
           <a:stretch>
             <a:fillRect/>
           </a:stretch>
         </p:blipFill>
         <p:spPr>
           <a:xfrm>
-            <a:off x="913717" y="1668417"/>
-            <a:ext cx="3678603" cy="4044663"/>
+            <a:off x="2495510" y="1186663"/>
+            <a:ext cx="6221770" cy="5404051"/>
           </a:xfrm>
           <a:prstGeom prst="rect">
             <a:avLst/>
           </a:prstGeom>
         </p:spPr>
       </p:pic>
-      <p:sp>
-        <p:nvSpPr>
-          <p:cNvPr id="27" name="Content Placeholder 2">
-            <a:extLst>
-              <a:ext uri="{FF2B5EF4-FFF2-40B4-BE49-F238E27FC236}">
-                <a16:creationId xmlns:a16="http://schemas.microsoft.com/office/drawing/2014/main" id="{F5140F34-A600-4E82-8987-19023CD5DF84}"/>
-              </a:ext>
-            </a:extLst>
-          </p:cNvPr>
-          <p:cNvSpPr>
-            <a:spLocks noGrp="1"/>
-          </p:cNvSpPr>
-          <p:nvPr>
-            <p:ph idx="1"/>
-          </p:nvPr>
-        </p:nvSpPr>
-        <p:spPr>
-          <a:xfrm>
-            <a:off x="4870331" y="1930747"/>
-            <a:ext cx="6594925" cy="3880773"/>
-          </a:xfrm>
-        </p:spPr>
-        <p:txBody>
-          <a:bodyPr>
-            <a:normAutofit/>
-          </a:bodyPr>
-          <a:lstStyle/>
-          <a:p>
-            <a:r>
-              <a:rPr lang="en-US" dirty="0"/>
-              <a:t>MVC</a:t>
-            </a:r>
-          </a:p>
-          <a:p>
-            <a:r>
-              <a:rPr lang="en-US" dirty="0"/>
-              <a:t>Factory Pattern                DB Factory</a:t>
-            </a:r>
-          </a:p>
-          <a:p>
-            <a:r>
-              <a:rPr lang="en-US" dirty="0"/>
-              <a:t>Builder Pattern                Creating request by third party</a:t>
-            </a:r>
-          </a:p>
-          <a:p>
-            <a:r>
-              <a:rPr lang="en-US" dirty="0"/>
-              <a:t>Observer Pattern             Checking threshold   </a:t>
-            </a:r>
-          </a:p>
-          <a:p>
-            <a:r>
-              <a:rPr lang="en-US" dirty="0"/>
-              <a:t>Facade Pattern                Routing request from web server                       						    to application server  </a:t>
-            </a:r>
-          </a:p>
-        </p:txBody>
-      </p:sp>
-      <p:sp>
-        <p:nvSpPr>
-          <p:cNvPr id="10" name="Arrow: Right 9">
-            <a:extLst>
-              <a:ext uri="{FF2B5EF4-FFF2-40B4-BE49-F238E27FC236}">
-                <a16:creationId xmlns:a16="http://schemas.microsoft.com/office/drawing/2014/main" id="{F075CE02-D12C-496B-B9A1-66F392DDFADD}"/>
-              </a:ext>
-            </a:extLst>
-          </p:cNvPr>
-          <p:cNvSpPr/>
-          <p:nvPr/>
-        </p:nvSpPr>
-        <p:spPr>
-          <a:xfrm>
-            <a:off x="7093493" y="2441068"/>
-            <a:ext cx="629920" cy="101600"/>
-          </a:xfrm>
-          <a:prstGeom prst="rightArrow">
-            <a:avLst/>
-          </a:prstGeom>
-        </p:spPr>
-        <p:style>
-          <a:lnRef idx="2">
-            <a:schemeClr val="accent1">
-              <a:shade val="50000"/>
-            </a:schemeClr>
-          </a:lnRef>
-          <a:fillRef idx="1">
-            <a:schemeClr val="accent1"/>
-          </a:fillRef>
-          <a:effectRef idx="0">
-            <a:schemeClr val="accent1"/>
-          </a:effectRef>
-          <a:fontRef idx="minor">
-            <a:schemeClr val="lt1"/>
-          </a:fontRef>
-        </p:style>
-        <p:txBody>
-          <a:bodyPr rtlCol="0" anchor="ctr"/>
-          <a:lstStyle/>
-          <a:p>
-            <a:pPr algn="ctr"/>
-            <a:endParaRPr lang="en-US"/>
-          </a:p>
-        </p:txBody>
-      </p:sp>
-      <p:sp>
-        <p:nvSpPr>
-          <p:cNvPr id="29" name="Arrow: Right 28">
-            <a:extLst>
-              <a:ext uri="{FF2B5EF4-FFF2-40B4-BE49-F238E27FC236}">
-                <a16:creationId xmlns:a16="http://schemas.microsoft.com/office/drawing/2014/main" id="{EAE5AFFF-E4B6-4E01-9EF5-8F93AB730CE1}"/>
-              </a:ext>
-            </a:extLst>
-          </p:cNvPr>
-          <p:cNvSpPr/>
-          <p:nvPr/>
-        </p:nvSpPr>
-        <p:spPr>
-          <a:xfrm>
-            <a:off x="7093493" y="2839832"/>
-            <a:ext cx="629920" cy="101600"/>
-          </a:xfrm>
-          <a:prstGeom prst="rightArrow">
-            <a:avLst/>
-          </a:prstGeom>
-        </p:spPr>
-        <p:style>
-          <a:lnRef idx="2">
-            <a:schemeClr val="accent1">
-              <a:shade val="50000"/>
-            </a:schemeClr>
-          </a:lnRef>
-          <a:fillRef idx="1">
-            <a:schemeClr val="accent1"/>
-          </a:fillRef>
-          <a:effectRef idx="0">
-            <a:schemeClr val="accent1"/>
-          </a:effectRef>
-          <a:fontRef idx="minor">
-            <a:schemeClr val="lt1"/>
-          </a:fontRef>
-        </p:style>
-        <p:txBody>
-          <a:bodyPr rtlCol="0" anchor="ctr"/>
-          <a:lstStyle/>
-          <a:p>
-            <a:pPr algn="ctr"/>
-            <a:endParaRPr lang="en-US"/>
-          </a:p>
-        </p:txBody>
-      </p:sp>
-      <p:sp>
-        <p:nvSpPr>
-          <p:cNvPr id="31" name="Arrow: Right 30">
-            <a:extLst>
-              <a:ext uri="{FF2B5EF4-FFF2-40B4-BE49-F238E27FC236}">
-                <a16:creationId xmlns:a16="http://schemas.microsoft.com/office/drawing/2014/main" id="{770236C5-7F55-45E4-9C9A-19070782FF80}"/>
-              </a:ext>
-            </a:extLst>
-          </p:cNvPr>
-          <p:cNvSpPr/>
-          <p:nvPr/>
-        </p:nvSpPr>
-        <p:spPr>
-          <a:xfrm>
-            <a:off x="7093493" y="3241120"/>
-            <a:ext cx="629920" cy="101600"/>
-          </a:xfrm>
-          <a:prstGeom prst="rightArrow">
-            <a:avLst/>
-          </a:prstGeom>
-        </p:spPr>
-        <p:style>
-          <a:lnRef idx="2">
-            <a:schemeClr val="accent1">
-              <a:shade val="50000"/>
-            </a:schemeClr>
-          </a:lnRef>
-          <a:fillRef idx="1">
-            <a:schemeClr val="accent1"/>
-          </a:fillRef>
-          <a:effectRef idx="0">
-            <a:schemeClr val="accent1"/>
-          </a:effectRef>
-          <a:fontRef idx="minor">
-            <a:schemeClr val="lt1"/>
-          </a:fontRef>
-        </p:style>
-        <p:txBody>
-          <a:bodyPr rtlCol="0" anchor="ctr"/>
-          <a:lstStyle/>
-          <a:p>
-            <a:pPr algn="ctr"/>
-            <a:endParaRPr lang="en-US"/>
-          </a:p>
-        </p:txBody>
-      </p:sp>
-      <p:sp>
-        <p:nvSpPr>
-          <p:cNvPr id="32" name="Arrow: Right 31">
-            <a:extLst>
-              <a:ext uri="{FF2B5EF4-FFF2-40B4-BE49-F238E27FC236}">
-                <a16:creationId xmlns:a16="http://schemas.microsoft.com/office/drawing/2014/main" id="{F2339783-B39D-482E-8E63-0F3FA6E4395F}"/>
-              </a:ext>
-            </a:extLst>
-          </p:cNvPr>
-          <p:cNvSpPr/>
-          <p:nvPr/>
-        </p:nvSpPr>
-        <p:spPr>
-          <a:xfrm>
-            <a:off x="7093493" y="3690748"/>
-            <a:ext cx="629920" cy="101600"/>
-          </a:xfrm>
-          <a:prstGeom prst="rightArrow">
-            <a:avLst/>
-          </a:prstGeom>
-        </p:spPr>
-        <p:style>
-          <a:lnRef idx="2">
-            <a:schemeClr val="accent1">
-              <a:shade val="50000"/>
-            </a:schemeClr>
-          </a:lnRef>
-          <a:fillRef idx="1">
-            <a:schemeClr val="accent1"/>
-          </a:fillRef>
-          <a:effectRef idx="0">
-            <a:schemeClr val="accent1"/>
-          </a:effectRef>
-          <a:fontRef idx="minor">
-            <a:schemeClr val="lt1"/>
-          </a:fontRef>
-        </p:style>
-        <p:txBody>
-          <a:bodyPr rtlCol="0" anchor="ctr"/>
-          <a:lstStyle/>
-          <a:p>
-            <a:pPr algn="ctr"/>
-            <a:endParaRPr lang="en-US"/>
-          </a:p>
-        </p:txBody>
-      </p:sp>
     </p:spTree>
     <p:extLst>
       <p:ext uri="{BB962C8B-B14F-4D97-AF65-F5344CB8AC3E}">
-        <p14:creationId xmlns:p14="http://schemas.microsoft.com/office/powerpoint/2010/main" val="1975361168"/>
+        <p14:creationId xmlns:p14="http://schemas.microsoft.com/office/powerpoint/2010/main" val="3691019686"/>
       </p:ext>
     </p:extLst>
   </p:cSld>
@@ -9780,10 +9622,10 @@
       </p:grpSpPr>
       <p:sp useBgFill="1">
         <p:nvSpPr>
-          <p:cNvPr id="8" name="Rectangle 7">
+          <p:cNvPr id="13" name="Rectangle 12">
             <a:extLst>
               <a:ext uri="{FF2B5EF4-FFF2-40B4-BE49-F238E27FC236}">
-                <a16:creationId xmlns:a16="http://schemas.microsoft.com/office/drawing/2014/main" id="{E80B86A7-A1EC-475B-9166-88902B033A38}"/>
+                <a16:creationId xmlns:a16="http://schemas.microsoft.com/office/drawing/2014/main" id="{45B71F80-1F92-4074-84D9-16A062B215B3}"/>
               </a:ext>
               <a:ext uri="{C183D7F6-B498-43B3-948B-1728B52AA6E4}">
                 <adec:decorative xmlns:adec="http://schemas.microsoft.com/office/drawing/2017/decorative" val="1"/>
@@ -9843,7 +9685,7 @@
           <p:cNvPr id="2" name="Title 1">
             <a:extLst>
               <a:ext uri="{FF2B5EF4-FFF2-40B4-BE49-F238E27FC236}">
-                <a16:creationId xmlns:a16="http://schemas.microsoft.com/office/drawing/2014/main" id="{703ABAD5-9223-4B5F-A0F4-A433EBFF83B0}"/>
+                <a16:creationId xmlns:a16="http://schemas.microsoft.com/office/drawing/2014/main" id="{5BA3146C-DE20-40D6-BBF1-FE3013A0DF7F}"/>
               </a:ext>
             </a:extLst>
           </p:cNvPr>
@@ -9856,8 +9698,8 @@
         </p:nvSpPr>
         <p:spPr>
           <a:xfrm>
-            <a:off x="1333502" y="609600"/>
-            <a:ext cx="8596668" cy="1320800"/>
+            <a:off x="1286933" y="609600"/>
+            <a:ext cx="10197494" cy="1099457"/>
           </a:xfrm>
         </p:spPr>
         <p:txBody>
@@ -9868,17 +9710,17 @@
           <a:p>
             <a:r>
               <a:rPr lang="en-US" dirty="0"/>
-              <a:t>IMPLEMENTATION</a:t>
-            </a:r>
-          </a:p>
-        </p:txBody>
-      </p:sp>
-      <p:sp>
-        <p:nvSpPr>
-          <p:cNvPr id="10" name="Isosceles Triangle 9">
+              <a:t>ARCHTECTURAL STYLES</a:t>
+            </a:r>
+          </a:p>
+        </p:txBody>
+      </p:sp>
+      <p:sp>
+        <p:nvSpPr>
+          <p:cNvPr id="15" name="Isosceles Triangle 14">
             <a:extLst>
               <a:ext uri="{FF2B5EF4-FFF2-40B4-BE49-F238E27FC236}">
-                <a16:creationId xmlns:a16="http://schemas.microsoft.com/office/drawing/2014/main" id="{C2C29CB1-9F74-4879-A6AF-AEA67B6F1F4D}"/>
+                <a16:creationId xmlns:a16="http://schemas.microsoft.com/office/drawing/2014/main" id="{7209C9DA-6E0D-46D9-8275-C52222D8CCAC}"/>
               </a:ext>
               <a:ext uri="{C183D7F6-B498-43B3-948B-1728B52AA6E4}">
                 <adec:decorative xmlns:adec="http://schemas.microsoft.com/office/drawing/2017/decorative" val="1"/>
@@ -9933,163 +9775,10 @@
       </p:sp>
       <p:sp>
         <p:nvSpPr>
-          <p:cNvPr id="3" name="Content Placeholder 2">
+          <p:cNvPr id="17" name="Isosceles Triangle 16">
             <a:extLst>
               <a:ext uri="{FF2B5EF4-FFF2-40B4-BE49-F238E27FC236}">
-                <a16:creationId xmlns:a16="http://schemas.microsoft.com/office/drawing/2014/main" id="{8FAD9E0E-1C53-498E-88F3-2848CC1664B8}"/>
-              </a:ext>
-            </a:extLst>
-          </p:cNvPr>
-          <p:cNvSpPr>
-            <a:spLocks noGrp="1"/>
-          </p:cNvSpPr>
-          <p:nvPr>
-            <p:ph idx="1"/>
-          </p:nvPr>
-        </p:nvSpPr>
-        <p:spPr>
-          <a:xfrm>
-            <a:off x="1333502" y="1785381"/>
-            <a:ext cx="8596668" cy="3880773"/>
-          </a:xfrm>
-        </p:spPr>
-        <p:txBody>
-          <a:bodyPr>
-            <a:normAutofit/>
-          </a:bodyPr>
-          <a:lstStyle/>
-          <a:p>
-            <a:r>
-              <a:rPr lang="en-US" dirty="0"/>
-              <a:t>Implementation Order</a:t>
-            </a:r>
-          </a:p>
-          <a:p>
-            <a:pPr marL="0" indent="0">
-              <a:buNone/>
-            </a:pPr>
-            <a:endParaRPr lang="en-US" dirty="0"/>
-          </a:p>
-          <a:p>
-            <a:pPr marL="0" indent="0">
-              <a:buNone/>
-            </a:pPr>
-            <a:r>
-              <a:rPr lang="en-US" dirty="0"/>
-              <a:t>1. Model</a:t>
-            </a:r>
-          </a:p>
-          <a:p>
-            <a:pPr marL="0" indent="0">
-              <a:buNone/>
-            </a:pPr>
-            <a:r>
-              <a:rPr lang="en-US" dirty="0"/>
-              <a:t>2. </a:t>
-            </a:r>
-            <a:r>
-              <a:rPr lang="en-US" dirty="0" err="1"/>
-              <a:t>DataService</a:t>
-            </a:r>
-            <a:r>
-              <a:rPr lang="en-US" dirty="0"/>
-              <a:t> and </a:t>
-            </a:r>
-            <a:r>
-              <a:rPr lang="en-US" dirty="0" err="1"/>
-              <a:t>DataAcquisitionService</a:t>
-            </a:r>
-            <a:endParaRPr lang="en-US" dirty="0"/>
-          </a:p>
-          <a:p>
-            <a:pPr marL="0" indent="0">
-              <a:buNone/>
-            </a:pPr>
-            <a:r>
-              <a:rPr lang="en-US" dirty="0"/>
-              <a:t>3. </a:t>
-            </a:r>
-            <a:r>
-              <a:rPr lang="en-US" dirty="0" err="1"/>
-              <a:t>RequestService</a:t>
-            </a:r>
-            <a:r>
-              <a:rPr lang="en-US" dirty="0"/>
-              <a:t> and </a:t>
-            </a:r>
-            <a:r>
-              <a:rPr lang="en-US" dirty="0" err="1"/>
-              <a:t>ResponseService</a:t>
-            </a:r>
-            <a:endParaRPr lang="en-US" dirty="0"/>
-          </a:p>
-          <a:p>
-            <a:pPr marL="0" indent="0">
-              <a:buNone/>
-            </a:pPr>
-            <a:r>
-              <a:rPr lang="en-US" dirty="0"/>
-              <a:t>4. </a:t>
-            </a:r>
-            <a:r>
-              <a:rPr lang="en-US" dirty="0" err="1"/>
-              <a:t>SOSService</a:t>
-            </a:r>
-            <a:endParaRPr lang="en-US" dirty="0"/>
-          </a:p>
-          <a:p>
-            <a:pPr marL="0" indent="0">
-              <a:buNone/>
-            </a:pPr>
-            <a:r>
-              <a:rPr lang="en-US" dirty="0"/>
-              <a:t>5. </a:t>
-            </a:r>
-            <a:r>
-              <a:rPr lang="en-US" dirty="0" err="1"/>
-              <a:t>RunService</a:t>
-            </a:r>
-            <a:endParaRPr lang="en-US" dirty="0"/>
-          </a:p>
-          <a:p>
-            <a:pPr marL="0" indent="0">
-              <a:buNone/>
-            </a:pPr>
-            <a:r>
-              <a:rPr lang="en-US" dirty="0"/>
-              <a:t>6. </a:t>
-            </a:r>
-            <a:r>
-              <a:rPr lang="en-US" dirty="0" err="1"/>
-              <a:t>LoginService</a:t>
-            </a:r>
-            <a:r>
-              <a:rPr lang="en-US" dirty="0"/>
-              <a:t> and </a:t>
-            </a:r>
-            <a:r>
-              <a:rPr lang="en-US" dirty="0" err="1"/>
-              <a:t>AccountService</a:t>
-            </a:r>
-            <a:endParaRPr lang="en-US" dirty="0"/>
-          </a:p>
-          <a:p>
-            <a:pPr marL="0" indent="0">
-              <a:buNone/>
-            </a:pPr>
-            <a:r>
-              <a:rPr lang="en-US" dirty="0"/>
-              <a:t>7. Router</a:t>
-            </a:r>
-          </a:p>
-        </p:txBody>
-      </p:sp>
-      <p:sp>
-        <p:nvSpPr>
-          <p:cNvPr id="12" name="Isosceles Triangle 11">
-            <a:extLst>
-              <a:ext uri="{FF2B5EF4-FFF2-40B4-BE49-F238E27FC236}">
-                <a16:creationId xmlns:a16="http://schemas.microsoft.com/office/drawing/2014/main" id="{7E2C7115-5336-410C-AD71-0F0952A2E5A7}"/>
+                <a16:creationId xmlns:a16="http://schemas.microsoft.com/office/drawing/2014/main" id="{3EB57A4D-E0D0-46DA-B339-F24CA46FA70B}"/>
               </a:ext>
               <a:ext uri="{C183D7F6-B498-43B3-948B-1728B52AA6E4}">
                 <adec:decorative xmlns:adec="http://schemas.microsoft.com/office/drawing/2017/decorative" val="1"/>
@@ -10142,10 +9831,283 @@
           </a:fontRef>
         </p:style>
       </p:sp>
+      <p:pic>
+        <p:nvPicPr>
+          <p:cNvPr id="9" name="Picture 8">
+            <a:extLst>
+              <a:ext uri="{FF2B5EF4-FFF2-40B4-BE49-F238E27FC236}">
+                <a16:creationId xmlns:a16="http://schemas.microsoft.com/office/drawing/2014/main" id="{0694CDF4-9642-4A22-B01C-2E3B011C648D}"/>
+              </a:ext>
+            </a:extLst>
+          </p:cNvPr>
+          <p:cNvPicPr>
+            <a:picLocks noChangeAspect="1"/>
+          </p:cNvPicPr>
+          <p:nvPr/>
+        </p:nvPicPr>
+        <p:blipFill>
+          <a:blip r:embed="rId2"/>
+          <a:stretch>
+            <a:fillRect/>
+          </a:stretch>
+        </p:blipFill>
+        <p:spPr>
+          <a:xfrm>
+            <a:off x="913717" y="1668417"/>
+            <a:ext cx="3678603" cy="4044663"/>
+          </a:xfrm>
+          <a:prstGeom prst="rect">
+            <a:avLst/>
+          </a:prstGeom>
+        </p:spPr>
+      </p:pic>
+      <p:sp>
+        <p:nvSpPr>
+          <p:cNvPr id="27" name="Content Placeholder 2">
+            <a:extLst>
+              <a:ext uri="{FF2B5EF4-FFF2-40B4-BE49-F238E27FC236}">
+                <a16:creationId xmlns:a16="http://schemas.microsoft.com/office/drawing/2014/main" id="{F5140F34-A600-4E82-8987-19023CD5DF84}"/>
+              </a:ext>
+            </a:extLst>
+          </p:cNvPr>
+          <p:cNvSpPr>
+            <a:spLocks noGrp="1"/>
+          </p:cNvSpPr>
+          <p:nvPr>
+            <p:ph idx="1"/>
+          </p:nvPr>
+        </p:nvSpPr>
+        <p:spPr>
+          <a:xfrm>
+            <a:off x="4870331" y="1930747"/>
+            <a:ext cx="6594925" cy="3880773"/>
+          </a:xfrm>
+        </p:spPr>
+        <p:txBody>
+          <a:bodyPr>
+            <a:normAutofit/>
+          </a:bodyPr>
+          <a:lstStyle/>
+          <a:p>
+            <a:r>
+              <a:rPr lang="en-US" dirty="0"/>
+              <a:t>MVC</a:t>
+            </a:r>
+          </a:p>
+          <a:p>
+            <a:r>
+              <a:rPr lang="en-US" dirty="0"/>
+              <a:t>Factory Pattern                DB Factory</a:t>
+            </a:r>
+          </a:p>
+          <a:p>
+            <a:r>
+              <a:rPr lang="en-US" dirty="0"/>
+              <a:t>Builder Pattern                Creating request by third party</a:t>
+            </a:r>
+          </a:p>
+          <a:p>
+            <a:r>
+              <a:rPr lang="en-US" dirty="0"/>
+              <a:t>Observer Pattern             Checking threshold   </a:t>
+            </a:r>
+          </a:p>
+          <a:p>
+            <a:r>
+              <a:rPr lang="en-US" dirty="0"/>
+              <a:t>Facade Pattern                Routing request from web server                       						    to application server  </a:t>
+            </a:r>
+          </a:p>
+        </p:txBody>
+      </p:sp>
+      <p:sp>
+        <p:nvSpPr>
+          <p:cNvPr id="10" name="Arrow: Right 9">
+            <a:extLst>
+              <a:ext uri="{FF2B5EF4-FFF2-40B4-BE49-F238E27FC236}">
+                <a16:creationId xmlns:a16="http://schemas.microsoft.com/office/drawing/2014/main" id="{F075CE02-D12C-496B-B9A1-66F392DDFADD}"/>
+              </a:ext>
+            </a:extLst>
+          </p:cNvPr>
+          <p:cNvSpPr/>
+          <p:nvPr/>
+        </p:nvSpPr>
+        <p:spPr>
+          <a:xfrm>
+            <a:off x="7093493" y="2441068"/>
+            <a:ext cx="629920" cy="101600"/>
+          </a:xfrm>
+          <a:prstGeom prst="rightArrow">
+            <a:avLst/>
+          </a:prstGeom>
+        </p:spPr>
+        <p:style>
+          <a:lnRef idx="2">
+            <a:schemeClr val="accent1">
+              <a:shade val="50000"/>
+            </a:schemeClr>
+          </a:lnRef>
+          <a:fillRef idx="1">
+            <a:schemeClr val="accent1"/>
+          </a:fillRef>
+          <a:effectRef idx="0">
+            <a:schemeClr val="accent1"/>
+          </a:effectRef>
+          <a:fontRef idx="minor">
+            <a:schemeClr val="lt1"/>
+          </a:fontRef>
+        </p:style>
+        <p:txBody>
+          <a:bodyPr rtlCol="0" anchor="ctr"/>
+          <a:lstStyle/>
+          <a:p>
+            <a:pPr algn="ctr"/>
+            <a:endParaRPr lang="en-US"/>
+          </a:p>
+        </p:txBody>
+      </p:sp>
+      <p:sp>
+        <p:nvSpPr>
+          <p:cNvPr id="29" name="Arrow: Right 28">
+            <a:extLst>
+              <a:ext uri="{FF2B5EF4-FFF2-40B4-BE49-F238E27FC236}">
+                <a16:creationId xmlns:a16="http://schemas.microsoft.com/office/drawing/2014/main" id="{EAE5AFFF-E4B6-4E01-9EF5-8F93AB730CE1}"/>
+              </a:ext>
+            </a:extLst>
+          </p:cNvPr>
+          <p:cNvSpPr/>
+          <p:nvPr/>
+        </p:nvSpPr>
+        <p:spPr>
+          <a:xfrm>
+            <a:off x="7093493" y="2839832"/>
+            <a:ext cx="629920" cy="101600"/>
+          </a:xfrm>
+          <a:prstGeom prst="rightArrow">
+            <a:avLst/>
+          </a:prstGeom>
+        </p:spPr>
+        <p:style>
+          <a:lnRef idx="2">
+            <a:schemeClr val="accent1">
+              <a:shade val="50000"/>
+            </a:schemeClr>
+          </a:lnRef>
+          <a:fillRef idx="1">
+            <a:schemeClr val="accent1"/>
+          </a:fillRef>
+          <a:effectRef idx="0">
+            <a:schemeClr val="accent1"/>
+          </a:effectRef>
+          <a:fontRef idx="minor">
+            <a:schemeClr val="lt1"/>
+          </a:fontRef>
+        </p:style>
+        <p:txBody>
+          <a:bodyPr rtlCol="0" anchor="ctr"/>
+          <a:lstStyle/>
+          <a:p>
+            <a:pPr algn="ctr"/>
+            <a:endParaRPr lang="en-US"/>
+          </a:p>
+        </p:txBody>
+      </p:sp>
+      <p:sp>
+        <p:nvSpPr>
+          <p:cNvPr id="31" name="Arrow: Right 30">
+            <a:extLst>
+              <a:ext uri="{FF2B5EF4-FFF2-40B4-BE49-F238E27FC236}">
+                <a16:creationId xmlns:a16="http://schemas.microsoft.com/office/drawing/2014/main" id="{770236C5-7F55-45E4-9C9A-19070782FF80}"/>
+              </a:ext>
+            </a:extLst>
+          </p:cNvPr>
+          <p:cNvSpPr/>
+          <p:nvPr/>
+        </p:nvSpPr>
+        <p:spPr>
+          <a:xfrm>
+            <a:off x="7093493" y="3241120"/>
+            <a:ext cx="629920" cy="101600"/>
+          </a:xfrm>
+          <a:prstGeom prst="rightArrow">
+            <a:avLst/>
+          </a:prstGeom>
+        </p:spPr>
+        <p:style>
+          <a:lnRef idx="2">
+            <a:schemeClr val="accent1">
+              <a:shade val="50000"/>
+            </a:schemeClr>
+          </a:lnRef>
+          <a:fillRef idx="1">
+            <a:schemeClr val="accent1"/>
+          </a:fillRef>
+          <a:effectRef idx="0">
+            <a:schemeClr val="accent1"/>
+          </a:effectRef>
+          <a:fontRef idx="minor">
+            <a:schemeClr val="lt1"/>
+          </a:fontRef>
+        </p:style>
+        <p:txBody>
+          <a:bodyPr rtlCol="0" anchor="ctr"/>
+          <a:lstStyle/>
+          <a:p>
+            <a:pPr algn="ctr"/>
+            <a:endParaRPr lang="en-US"/>
+          </a:p>
+        </p:txBody>
+      </p:sp>
+      <p:sp>
+        <p:nvSpPr>
+          <p:cNvPr id="32" name="Arrow: Right 31">
+            <a:extLst>
+              <a:ext uri="{FF2B5EF4-FFF2-40B4-BE49-F238E27FC236}">
+                <a16:creationId xmlns:a16="http://schemas.microsoft.com/office/drawing/2014/main" id="{F2339783-B39D-482E-8E63-0F3FA6E4395F}"/>
+              </a:ext>
+            </a:extLst>
+          </p:cNvPr>
+          <p:cNvSpPr/>
+          <p:nvPr/>
+        </p:nvSpPr>
+        <p:spPr>
+          <a:xfrm>
+            <a:off x="7093493" y="3690748"/>
+            <a:ext cx="629920" cy="101600"/>
+          </a:xfrm>
+          <a:prstGeom prst="rightArrow">
+            <a:avLst/>
+          </a:prstGeom>
+        </p:spPr>
+        <p:style>
+          <a:lnRef idx="2">
+            <a:schemeClr val="accent1">
+              <a:shade val="50000"/>
+            </a:schemeClr>
+          </a:lnRef>
+          <a:fillRef idx="1">
+            <a:schemeClr val="accent1"/>
+          </a:fillRef>
+          <a:effectRef idx="0">
+            <a:schemeClr val="accent1"/>
+          </a:effectRef>
+          <a:fontRef idx="minor">
+            <a:schemeClr val="lt1"/>
+          </a:fontRef>
+        </p:style>
+        <p:txBody>
+          <a:bodyPr rtlCol="0" anchor="ctr"/>
+          <a:lstStyle/>
+          <a:p>
+            <a:pPr algn="ctr"/>
+            <a:endParaRPr lang="en-US"/>
+          </a:p>
+        </p:txBody>
+      </p:sp>
     </p:spTree>
     <p:extLst>
       <p:ext uri="{BB962C8B-B14F-4D97-AF65-F5344CB8AC3E}">
-        <p14:creationId xmlns:p14="http://schemas.microsoft.com/office/powerpoint/2010/main" val="2131982290"/>
+        <p14:creationId xmlns:p14="http://schemas.microsoft.com/office/powerpoint/2010/main" val="1975361168"/>
       </p:ext>
     </p:extLst>
   </p:cSld>
@@ -10245,7 +10207,7 @@
           <p:cNvPr id="2" name="Title 1">
             <a:extLst>
               <a:ext uri="{FF2B5EF4-FFF2-40B4-BE49-F238E27FC236}">
-                <a16:creationId xmlns:a16="http://schemas.microsoft.com/office/drawing/2014/main" id="{56A062DB-28F4-4A62-AAB2-F934E1D95413}"/>
+                <a16:creationId xmlns:a16="http://schemas.microsoft.com/office/drawing/2014/main" id="{703ABAD5-9223-4B5F-A0F4-A433EBFF83B0}"/>
               </a:ext>
             </a:extLst>
           </p:cNvPr>
@@ -10270,7 +10232,7 @@
           <a:p>
             <a:r>
               <a:rPr lang="en-US" dirty="0"/>
-              <a:t>INTEGRATION</a:t>
+              <a:t>IMPLEMENTATION</a:t>
             </a:r>
           </a:p>
         </p:txBody>
@@ -10335,6 +10297,159 @@
       </p:sp>
       <p:sp>
         <p:nvSpPr>
+          <p:cNvPr id="3" name="Content Placeholder 2">
+            <a:extLst>
+              <a:ext uri="{FF2B5EF4-FFF2-40B4-BE49-F238E27FC236}">
+                <a16:creationId xmlns:a16="http://schemas.microsoft.com/office/drawing/2014/main" id="{8FAD9E0E-1C53-498E-88F3-2848CC1664B8}"/>
+              </a:ext>
+            </a:extLst>
+          </p:cNvPr>
+          <p:cNvSpPr>
+            <a:spLocks noGrp="1"/>
+          </p:cNvSpPr>
+          <p:nvPr>
+            <p:ph idx="1"/>
+          </p:nvPr>
+        </p:nvSpPr>
+        <p:spPr>
+          <a:xfrm>
+            <a:off x="1333502" y="1785381"/>
+            <a:ext cx="8596668" cy="3880773"/>
+          </a:xfrm>
+        </p:spPr>
+        <p:txBody>
+          <a:bodyPr>
+            <a:normAutofit/>
+          </a:bodyPr>
+          <a:lstStyle/>
+          <a:p>
+            <a:r>
+              <a:rPr lang="en-US" dirty="0"/>
+              <a:t>Implementation Order</a:t>
+            </a:r>
+          </a:p>
+          <a:p>
+            <a:pPr marL="0" indent="0">
+              <a:buNone/>
+            </a:pPr>
+            <a:endParaRPr lang="en-US" dirty="0"/>
+          </a:p>
+          <a:p>
+            <a:pPr marL="0" indent="0">
+              <a:buNone/>
+            </a:pPr>
+            <a:r>
+              <a:rPr lang="en-US" dirty="0"/>
+              <a:t>1. Model</a:t>
+            </a:r>
+          </a:p>
+          <a:p>
+            <a:pPr marL="0" indent="0">
+              <a:buNone/>
+            </a:pPr>
+            <a:r>
+              <a:rPr lang="en-US" dirty="0"/>
+              <a:t>2. </a:t>
+            </a:r>
+            <a:r>
+              <a:rPr lang="en-US" dirty="0" err="1"/>
+              <a:t>DataService</a:t>
+            </a:r>
+            <a:r>
+              <a:rPr lang="en-US" dirty="0"/>
+              <a:t> and </a:t>
+            </a:r>
+            <a:r>
+              <a:rPr lang="en-US" dirty="0" err="1"/>
+              <a:t>DataAcquisitionService</a:t>
+            </a:r>
+            <a:endParaRPr lang="en-US" dirty="0"/>
+          </a:p>
+          <a:p>
+            <a:pPr marL="0" indent="0">
+              <a:buNone/>
+            </a:pPr>
+            <a:r>
+              <a:rPr lang="en-US" dirty="0"/>
+              <a:t>3. </a:t>
+            </a:r>
+            <a:r>
+              <a:rPr lang="en-US" dirty="0" err="1"/>
+              <a:t>RequestService</a:t>
+            </a:r>
+            <a:r>
+              <a:rPr lang="en-US" dirty="0"/>
+              <a:t> and </a:t>
+            </a:r>
+            <a:r>
+              <a:rPr lang="en-US" dirty="0" err="1"/>
+              <a:t>ResponseService</a:t>
+            </a:r>
+            <a:endParaRPr lang="en-US" dirty="0"/>
+          </a:p>
+          <a:p>
+            <a:pPr marL="0" indent="0">
+              <a:buNone/>
+            </a:pPr>
+            <a:r>
+              <a:rPr lang="en-US" dirty="0"/>
+              <a:t>4. </a:t>
+            </a:r>
+            <a:r>
+              <a:rPr lang="en-US" dirty="0" err="1"/>
+              <a:t>SOSService</a:t>
+            </a:r>
+            <a:endParaRPr lang="en-US" dirty="0"/>
+          </a:p>
+          <a:p>
+            <a:pPr marL="0" indent="0">
+              <a:buNone/>
+            </a:pPr>
+            <a:r>
+              <a:rPr lang="en-US" dirty="0"/>
+              <a:t>5. </a:t>
+            </a:r>
+            <a:r>
+              <a:rPr lang="en-US" dirty="0" err="1"/>
+              <a:t>RunService</a:t>
+            </a:r>
+            <a:endParaRPr lang="en-US" dirty="0"/>
+          </a:p>
+          <a:p>
+            <a:pPr marL="0" indent="0">
+              <a:buNone/>
+            </a:pPr>
+            <a:r>
+              <a:rPr lang="en-US" dirty="0"/>
+              <a:t>6. </a:t>
+            </a:r>
+            <a:r>
+              <a:rPr lang="en-US" dirty="0" err="1"/>
+              <a:t>LoginService</a:t>
+            </a:r>
+            <a:r>
+              <a:rPr lang="en-US" dirty="0"/>
+              <a:t> and </a:t>
+            </a:r>
+            <a:r>
+              <a:rPr lang="en-US" dirty="0" err="1"/>
+              <a:t>AccountService</a:t>
+            </a:r>
+            <a:endParaRPr lang="en-US" dirty="0"/>
+          </a:p>
+          <a:p>
+            <a:pPr marL="0" indent="0">
+              <a:buNone/>
+            </a:pPr>
+            <a:r>
+              <a:rPr lang="en-US" dirty="0"/>
+              <a:t>7. Router</a:t>
+            </a:r>
+          </a:p>
+        </p:txBody>
+      </p:sp>
+      <p:sp>
+        <p:nvSpPr>
           <p:cNvPr id="12" name="Isosceles Triangle 11">
             <a:extLst>
               <a:ext uri="{FF2B5EF4-FFF2-40B4-BE49-F238E27FC236}">
@@ -10391,164 +10506,10 @@
           </a:fontRef>
         </p:style>
       </p:sp>
-      <p:pic>
-        <p:nvPicPr>
-          <p:cNvPr id="9" name="Content Placeholder 8">
-            <a:extLst>
-              <a:ext uri="{FF2B5EF4-FFF2-40B4-BE49-F238E27FC236}">
-                <a16:creationId xmlns:a16="http://schemas.microsoft.com/office/drawing/2014/main" id="{520F7CC3-3E22-4D0B-BEC7-B56C9D426EE4}"/>
-              </a:ext>
-            </a:extLst>
-          </p:cNvPr>
-          <p:cNvPicPr>
-            <a:picLocks noGrp="1"/>
-          </p:cNvPicPr>
-          <p:nvPr>
-            <p:ph idx="1"/>
-          </p:nvPr>
-        </p:nvPicPr>
-        <p:blipFill>
-          <a:blip r:embed="rId3">
-            <a:extLst>
-              <a:ext uri="{28A0092B-C50C-407E-A947-70E740481C1C}">
-                <a14:useLocalDpi xmlns:a14="http://schemas.microsoft.com/office/drawing/2010/main" val="0"/>
-              </a:ext>
-            </a:extLst>
-          </a:blip>
-          <a:stretch>
-            <a:fillRect/>
-          </a:stretch>
-        </p:blipFill>
-        <p:spPr>
-          <a:xfrm>
-            <a:off x="7076654" y="2046327"/>
-            <a:ext cx="3111075" cy="3881437"/>
-          </a:xfrm>
-          <a:prstGeom prst="rect">
-            <a:avLst/>
-          </a:prstGeom>
-        </p:spPr>
-      </p:pic>
-      <p:pic>
-        <p:nvPicPr>
-          <p:cNvPr id="11" name="Picture 10">
-            <a:extLst>
-              <a:ext uri="{FF2B5EF4-FFF2-40B4-BE49-F238E27FC236}">
-                <a16:creationId xmlns:a16="http://schemas.microsoft.com/office/drawing/2014/main" id="{07B64FB1-8D1B-4CB7-BC77-C2A3AEC780A3}"/>
-              </a:ext>
-            </a:extLst>
-          </p:cNvPr>
-          <p:cNvPicPr/>
-          <p:nvPr/>
-        </p:nvPicPr>
-        <p:blipFill>
-          <a:blip r:embed="rId4">
-            <a:extLst>
-              <a:ext uri="{28A0092B-C50C-407E-A947-70E740481C1C}">
-                <a14:useLocalDpi xmlns:a14="http://schemas.microsoft.com/office/drawing/2010/main" val="0"/>
-              </a:ext>
-            </a:extLst>
-          </a:blip>
-          <a:stretch>
-            <a:fillRect/>
-          </a:stretch>
-        </p:blipFill>
-        <p:spPr>
-          <a:xfrm>
-            <a:off x="844437" y="2452077"/>
-            <a:ext cx="4483100" cy="2692400"/>
-          </a:xfrm>
-          <a:prstGeom prst="rect">
-            <a:avLst/>
-          </a:prstGeom>
-        </p:spPr>
-      </p:pic>
-      <p:sp>
-        <p:nvSpPr>
-          <p:cNvPr id="5" name="TextBox 4">
-            <a:extLst>
-              <a:ext uri="{FF2B5EF4-FFF2-40B4-BE49-F238E27FC236}">
-                <a16:creationId xmlns:a16="http://schemas.microsoft.com/office/drawing/2014/main" id="{213E6216-67BA-4FEC-A4A0-F928856F0FB7}"/>
-              </a:ext>
-            </a:extLst>
-          </p:cNvPr>
-          <p:cNvSpPr txBox="1"/>
-          <p:nvPr/>
-        </p:nvSpPr>
-        <p:spPr>
-          <a:xfrm>
-            <a:off x="930660" y="1523107"/>
-            <a:ext cx="4791875" cy="523220"/>
-          </a:xfrm>
-          <a:prstGeom prst="rect">
-            <a:avLst/>
-          </a:prstGeom>
-          <a:noFill/>
-        </p:spPr>
-        <p:txBody>
-          <a:bodyPr wrap="square" rtlCol="0">
-            <a:spAutoFit/>
-          </a:bodyPr>
-          <a:lstStyle/>
-          <a:p>
-            <a:r>
-              <a:rPr lang="en-US" sz="1400" dirty="0">
-                <a:solidFill>
-                  <a:schemeClr val="accent1">
-                    <a:lumMod val="50000"/>
-                  </a:schemeClr>
-                </a:solidFill>
-              </a:rPr>
-              <a:t>Integration between the external services and application components</a:t>
-            </a:r>
-          </a:p>
-        </p:txBody>
-      </p:sp>
-      <p:sp>
-        <p:nvSpPr>
-          <p:cNvPr id="14" name="TextBox 13">
-            <a:extLst>
-              <a:ext uri="{FF2B5EF4-FFF2-40B4-BE49-F238E27FC236}">
-                <a16:creationId xmlns:a16="http://schemas.microsoft.com/office/drawing/2014/main" id="{2105566F-9FE0-4CDC-940F-3A3111870375}"/>
-              </a:ext>
-            </a:extLst>
-          </p:cNvPr>
-          <p:cNvSpPr txBox="1"/>
-          <p:nvPr/>
-        </p:nvSpPr>
-        <p:spPr>
-          <a:xfrm>
-            <a:off x="6417899" y="1476940"/>
-            <a:ext cx="4791875" cy="307777"/>
-          </a:xfrm>
-          <a:prstGeom prst="rect">
-            <a:avLst/>
-          </a:prstGeom>
-          <a:noFill/>
-        </p:spPr>
-        <p:txBody>
-          <a:bodyPr wrap="square" rtlCol="0">
-            <a:spAutoFit/>
-          </a:bodyPr>
-          <a:lstStyle/>
-          <a:p>
-            <a:r>
-              <a:rPr lang="en-US" sz="1400" dirty="0">
-                <a:solidFill>
-                  <a:schemeClr val="accent1">
-                    <a:lumMod val="50000"/>
-                  </a:schemeClr>
-                </a:solidFill>
-              </a:rPr>
-              <a:t>Integration between the application server components</a:t>
-            </a:r>
-          </a:p>
-        </p:txBody>
-      </p:sp>
     </p:spTree>
     <p:extLst>
       <p:ext uri="{BB962C8B-B14F-4D97-AF65-F5344CB8AC3E}">
-        <p14:creationId xmlns:p14="http://schemas.microsoft.com/office/powerpoint/2010/main" val="4166498923"/>
+        <p14:creationId xmlns:p14="http://schemas.microsoft.com/office/powerpoint/2010/main" val="2131982290"/>
       </p:ext>
     </p:extLst>
   </p:cSld>
@@ -11513,7 +11474,7 @@
           <p:cNvPr id="2" name="Title 1">
             <a:extLst>
               <a:ext uri="{FF2B5EF4-FFF2-40B4-BE49-F238E27FC236}">
-                <a16:creationId xmlns:a16="http://schemas.microsoft.com/office/drawing/2014/main" id="{F42CBCD1-4F3F-43E4-9F91-841AF31B8516}"/>
+                <a16:creationId xmlns:a16="http://schemas.microsoft.com/office/drawing/2014/main" id="{56A062DB-28F4-4A62-AAB2-F934E1D95413}"/>
               </a:ext>
             </a:extLst>
           </p:cNvPr>
@@ -11538,7 +11499,7 @@
           <a:p>
             <a:r>
               <a:rPr lang="en-US" dirty="0"/>
-              <a:t>TESTING</a:t>
+              <a:t>INTEGRATION</a:t>
             </a:r>
           </a:p>
         </p:txBody>
@@ -11603,41 +11564,6 @@
       </p:sp>
       <p:sp>
         <p:nvSpPr>
-          <p:cNvPr id="3" name="Content Placeholder 2">
-            <a:extLst>
-              <a:ext uri="{FF2B5EF4-FFF2-40B4-BE49-F238E27FC236}">
-                <a16:creationId xmlns:a16="http://schemas.microsoft.com/office/drawing/2014/main" id="{7B9A56D4-DE21-47B9-96BD-A70B1F8E48B5}"/>
-              </a:ext>
-            </a:extLst>
-          </p:cNvPr>
-          <p:cNvSpPr>
-            <a:spLocks noGrp="1"/>
-          </p:cNvSpPr>
-          <p:nvPr>
-            <p:ph idx="1"/>
-          </p:nvPr>
-        </p:nvSpPr>
-        <p:spPr>
-          <a:xfrm>
-            <a:off x="1333502" y="1785381"/>
-            <a:ext cx="8596668" cy="3880773"/>
-          </a:xfrm>
-        </p:spPr>
-        <p:txBody>
-          <a:bodyPr>
-            <a:normAutofit/>
-          </a:bodyPr>
-          <a:lstStyle/>
-          <a:p>
-            <a:r>
-              <a:rPr lang="en-US" dirty="0"/>
-              <a:t>Testing order</a:t>
-            </a:r>
-          </a:p>
-        </p:txBody>
-      </p:sp>
-      <p:sp>
-        <p:nvSpPr>
           <p:cNvPr id="12" name="Isosceles Triangle 11">
             <a:extLst>
               <a:ext uri="{FF2B5EF4-FFF2-40B4-BE49-F238E27FC236}">
@@ -11696,10 +11622,48 @@
       </p:sp>
       <p:pic>
         <p:nvPicPr>
-          <p:cNvPr id="7" name="Picture 6">
+          <p:cNvPr id="9" name="Content Placeholder 8">
             <a:extLst>
               <a:ext uri="{FF2B5EF4-FFF2-40B4-BE49-F238E27FC236}">
-                <a16:creationId xmlns:a16="http://schemas.microsoft.com/office/drawing/2014/main" id="{98AA40DB-D40B-48D8-BD14-0FF41564EDBA}"/>
+                <a16:creationId xmlns:a16="http://schemas.microsoft.com/office/drawing/2014/main" id="{520F7CC3-3E22-4D0B-BEC7-B56C9D426EE4}"/>
+              </a:ext>
+            </a:extLst>
+          </p:cNvPr>
+          <p:cNvPicPr>
+            <a:picLocks noGrp="1"/>
+          </p:cNvPicPr>
+          <p:nvPr>
+            <p:ph idx="1"/>
+          </p:nvPr>
+        </p:nvPicPr>
+        <p:blipFill>
+          <a:blip r:embed="rId3">
+            <a:extLst>
+              <a:ext uri="{28A0092B-C50C-407E-A947-70E740481C1C}">
+                <a14:useLocalDpi xmlns:a14="http://schemas.microsoft.com/office/drawing/2010/main" val="0"/>
+              </a:ext>
+            </a:extLst>
+          </a:blip>
+          <a:stretch>
+            <a:fillRect/>
+          </a:stretch>
+        </p:blipFill>
+        <p:spPr>
+          <a:xfrm>
+            <a:off x="7076654" y="2046327"/>
+            <a:ext cx="3111075" cy="3881437"/>
+          </a:xfrm>
+          <a:prstGeom prst="rect">
+            <a:avLst/>
+          </a:prstGeom>
+        </p:spPr>
+      </p:pic>
+      <p:pic>
+        <p:nvPicPr>
+          <p:cNvPr id="11" name="Picture 10">
+            <a:extLst>
+              <a:ext uri="{FF2B5EF4-FFF2-40B4-BE49-F238E27FC236}">
+                <a16:creationId xmlns:a16="http://schemas.microsoft.com/office/drawing/2014/main" id="{07B64FB1-8D1B-4CB7-BC77-C2A3AEC780A3}"/>
               </a:ext>
             </a:extLst>
           </p:cNvPr>
@@ -11707,7 +11671,7 @@
           <p:nvPr/>
         </p:nvPicPr>
         <p:blipFill>
-          <a:blip r:embed="rId2">
+          <a:blip r:embed="rId4">
             <a:extLst>
               <a:ext uri="{28A0092B-C50C-407E-A947-70E740481C1C}">
                 <a14:useLocalDpi xmlns:a14="http://schemas.microsoft.com/office/drawing/2010/main" val="0"/>
@@ -11720,18 +11684,100 @@
         </p:blipFill>
         <p:spPr>
           <a:xfrm>
-            <a:off x="3431235" y="2173893"/>
-            <a:ext cx="7427263" cy="4846667"/>
+            <a:off x="844437" y="2452077"/>
+            <a:ext cx="4483100" cy="2692400"/>
           </a:xfrm>
           <a:prstGeom prst="rect">
             <a:avLst/>
           </a:prstGeom>
         </p:spPr>
       </p:pic>
+      <p:sp>
+        <p:nvSpPr>
+          <p:cNvPr id="5" name="TextBox 4">
+            <a:extLst>
+              <a:ext uri="{FF2B5EF4-FFF2-40B4-BE49-F238E27FC236}">
+                <a16:creationId xmlns:a16="http://schemas.microsoft.com/office/drawing/2014/main" id="{213E6216-67BA-4FEC-A4A0-F928856F0FB7}"/>
+              </a:ext>
+            </a:extLst>
+          </p:cNvPr>
+          <p:cNvSpPr txBox="1"/>
+          <p:nvPr/>
+        </p:nvSpPr>
+        <p:spPr>
+          <a:xfrm>
+            <a:off x="930660" y="1523107"/>
+            <a:ext cx="4791875" cy="523220"/>
+          </a:xfrm>
+          <a:prstGeom prst="rect">
+            <a:avLst/>
+          </a:prstGeom>
+          <a:noFill/>
+        </p:spPr>
+        <p:txBody>
+          <a:bodyPr wrap="square" rtlCol="0">
+            <a:spAutoFit/>
+          </a:bodyPr>
+          <a:lstStyle/>
+          <a:p>
+            <a:r>
+              <a:rPr lang="en-US" sz="1400" dirty="0">
+                <a:solidFill>
+                  <a:schemeClr val="accent1">
+                    <a:lumMod val="50000"/>
+                  </a:schemeClr>
+                </a:solidFill>
+              </a:rPr>
+              <a:t>Integration between the external services and application components</a:t>
+            </a:r>
+          </a:p>
+        </p:txBody>
+      </p:sp>
+      <p:sp>
+        <p:nvSpPr>
+          <p:cNvPr id="14" name="TextBox 13">
+            <a:extLst>
+              <a:ext uri="{FF2B5EF4-FFF2-40B4-BE49-F238E27FC236}">
+                <a16:creationId xmlns:a16="http://schemas.microsoft.com/office/drawing/2014/main" id="{2105566F-9FE0-4CDC-940F-3A3111870375}"/>
+              </a:ext>
+            </a:extLst>
+          </p:cNvPr>
+          <p:cNvSpPr txBox="1"/>
+          <p:nvPr/>
+        </p:nvSpPr>
+        <p:spPr>
+          <a:xfrm>
+            <a:off x="6417899" y="1476940"/>
+            <a:ext cx="4791875" cy="307777"/>
+          </a:xfrm>
+          <a:prstGeom prst="rect">
+            <a:avLst/>
+          </a:prstGeom>
+          <a:noFill/>
+        </p:spPr>
+        <p:txBody>
+          <a:bodyPr wrap="square" rtlCol="0">
+            <a:spAutoFit/>
+          </a:bodyPr>
+          <a:lstStyle/>
+          <a:p>
+            <a:r>
+              <a:rPr lang="en-US" sz="1400" dirty="0">
+                <a:solidFill>
+                  <a:schemeClr val="accent1">
+                    <a:lumMod val="50000"/>
+                  </a:schemeClr>
+                </a:solidFill>
+              </a:rPr>
+              <a:t>Integration between the application server components</a:t>
+            </a:r>
+          </a:p>
+        </p:txBody>
+      </p:sp>
     </p:spTree>
     <p:extLst>
       <p:ext uri="{BB962C8B-B14F-4D97-AF65-F5344CB8AC3E}">
-        <p14:creationId xmlns:p14="http://schemas.microsoft.com/office/powerpoint/2010/main" val="2454991858"/>
+        <p14:creationId xmlns:p14="http://schemas.microsoft.com/office/powerpoint/2010/main" val="4166498923"/>
       </p:ext>
     </p:extLst>
   </p:cSld>
@@ -11831,7 +11877,7 @@
           <p:cNvPr id="2" name="Title 1">
             <a:extLst>
               <a:ext uri="{FF2B5EF4-FFF2-40B4-BE49-F238E27FC236}">
-                <a16:creationId xmlns:a16="http://schemas.microsoft.com/office/drawing/2014/main" id="{07A17298-46A3-4F06-827A-C192D0DEE20D}"/>
+                <a16:creationId xmlns:a16="http://schemas.microsoft.com/office/drawing/2014/main" id="{F42CBCD1-4F3F-43E4-9F91-841AF31B8516}"/>
               </a:ext>
             </a:extLst>
           </p:cNvPr>
@@ -11924,7 +11970,7 @@
           <p:cNvPr id="3" name="Content Placeholder 2">
             <a:extLst>
               <a:ext uri="{FF2B5EF4-FFF2-40B4-BE49-F238E27FC236}">
-                <a16:creationId xmlns:a16="http://schemas.microsoft.com/office/drawing/2014/main" id="{4238D75C-236C-4268-9151-68FA39A1D5F5}"/>
+                <a16:creationId xmlns:a16="http://schemas.microsoft.com/office/drawing/2014/main" id="{7B9A56D4-DE21-47B9-96BD-A70B1F8E48B5}"/>
               </a:ext>
             </a:extLst>
           </p:cNvPr>
@@ -11937,7 +11983,7 @@
         </p:nvSpPr>
         <p:spPr>
           <a:xfrm>
-            <a:off x="1333502" y="1683069"/>
+            <a:off x="1333502" y="1785381"/>
             <a:ext cx="8596668" cy="3880773"/>
           </a:xfrm>
         </p:spPr>
@@ -11949,7 +11995,7 @@
           <a:p>
             <a:r>
               <a:rPr lang="en-US" dirty="0"/>
-              <a:t>Bottom Up Approach</a:t>
+              <a:t>Testing order</a:t>
             </a:r>
           </a:p>
         </p:txBody>
@@ -12014,6 +12060,324 @@
       </p:sp>
       <p:pic>
         <p:nvPicPr>
+          <p:cNvPr id="7" name="Picture 6">
+            <a:extLst>
+              <a:ext uri="{FF2B5EF4-FFF2-40B4-BE49-F238E27FC236}">
+                <a16:creationId xmlns:a16="http://schemas.microsoft.com/office/drawing/2014/main" id="{98AA40DB-D40B-48D8-BD14-0FF41564EDBA}"/>
+              </a:ext>
+            </a:extLst>
+          </p:cNvPr>
+          <p:cNvPicPr/>
+          <p:nvPr/>
+        </p:nvPicPr>
+        <p:blipFill>
+          <a:blip r:embed="rId2">
+            <a:extLst>
+              <a:ext uri="{28A0092B-C50C-407E-A947-70E740481C1C}">
+                <a14:useLocalDpi xmlns:a14="http://schemas.microsoft.com/office/drawing/2010/main" val="0"/>
+              </a:ext>
+            </a:extLst>
+          </a:blip>
+          <a:stretch>
+            <a:fillRect/>
+          </a:stretch>
+        </p:blipFill>
+        <p:spPr>
+          <a:xfrm>
+            <a:off x="3431235" y="2173893"/>
+            <a:ext cx="7427263" cy="4846667"/>
+          </a:xfrm>
+          <a:prstGeom prst="rect">
+            <a:avLst/>
+          </a:prstGeom>
+        </p:spPr>
+      </p:pic>
+    </p:spTree>
+    <p:extLst>
+      <p:ext uri="{BB962C8B-B14F-4D97-AF65-F5344CB8AC3E}">
+        <p14:creationId xmlns:p14="http://schemas.microsoft.com/office/powerpoint/2010/main" val="2454991858"/>
+      </p:ext>
+    </p:extLst>
+  </p:cSld>
+  <p:clrMapOvr>
+    <a:masterClrMapping/>
+  </p:clrMapOvr>
+</p:sld>
+</file>
+
+<file path=ppt/slides/slide22.xml><?xml version="1.0" encoding="utf-8"?>
+<p:sld xmlns:a="http://schemas.openxmlformats.org/drawingml/2006/main" xmlns:r="http://schemas.openxmlformats.org/officeDocument/2006/relationships" xmlns:p="http://schemas.openxmlformats.org/presentationml/2006/main">
+  <p:cSld>
+    <p:bg>
+      <p:bgPr>
+        <a:solidFill>
+          <a:schemeClr val="bg1"/>
+        </a:solidFill>
+        <a:effectLst/>
+      </p:bgPr>
+    </p:bg>
+    <p:spTree>
+      <p:nvGrpSpPr>
+        <p:cNvPr id="1" name=""/>
+        <p:cNvGrpSpPr/>
+        <p:nvPr/>
+      </p:nvGrpSpPr>
+      <p:grpSpPr>
+        <a:xfrm>
+          <a:off x="0" y="0"/>
+          <a:ext cx="0" cy="0"/>
+          <a:chOff x="0" y="0"/>
+          <a:chExt cx="0" cy="0"/>
+        </a:xfrm>
+      </p:grpSpPr>
+      <p:sp useBgFill="1">
+        <p:nvSpPr>
+          <p:cNvPr id="8" name="Rectangle 7">
+            <a:extLst>
+              <a:ext uri="{FF2B5EF4-FFF2-40B4-BE49-F238E27FC236}">
+                <a16:creationId xmlns:a16="http://schemas.microsoft.com/office/drawing/2014/main" id="{E80B86A7-A1EC-475B-9166-88902B033A38}"/>
+              </a:ext>
+              <a:ext uri="{C183D7F6-B498-43B3-948B-1728B52AA6E4}">
+                <adec:decorative xmlns:adec="http://schemas.microsoft.com/office/drawing/2017/decorative" val="1"/>
+              </a:ext>
+            </a:extLst>
+          </p:cNvPr>
+          <p:cNvSpPr>
+            <a:spLocks noGrp="1" noRot="1" noChangeAspect="1" noMove="1" noResize="1" noEditPoints="1" noAdjustHandles="1" noChangeArrowheads="1" noChangeShapeType="1" noTextEdit="1"/>
+          </p:cNvSpPr>
+          <p:nvPr>
+            <p:extLst>
+              <p:ext uri="{386F3935-93C4-4BCD-93E2-E3B085C9AB24}">
+                <p16:designElem xmlns:p16="http://schemas.microsoft.com/office/powerpoint/2015/main" val="1"/>
+              </p:ext>
+            </p:extLst>
+          </p:nvPr>
+        </p:nvSpPr>
+        <p:spPr>
+          <a:xfrm>
+            <a:off x="0" y="0"/>
+            <a:ext cx="12192000" cy="6858000"/>
+          </a:xfrm>
+          <a:prstGeom prst="rect">
+            <a:avLst/>
+          </a:prstGeom>
+          <a:ln>
+            <a:noFill/>
+          </a:ln>
+        </p:spPr>
+        <p:style>
+          <a:lnRef idx="2">
+            <a:schemeClr val="accent1">
+              <a:shade val="50000"/>
+            </a:schemeClr>
+          </a:lnRef>
+          <a:fillRef idx="1">
+            <a:schemeClr val="accent1"/>
+          </a:fillRef>
+          <a:effectRef idx="0">
+            <a:schemeClr val="accent1"/>
+          </a:effectRef>
+          <a:fontRef idx="minor">
+            <a:schemeClr val="lt1"/>
+          </a:fontRef>
+        </p:style>
+        <p:txBody>
+          <a:bodyPr rtlCol="0" anchor="ctr"/>
+          <a:lstStyle/>
+          <a:p>
+            <a:pPr algn="ctr"/>
+            <a:endParaRPr lang="en-US"/>
+          </a:p>
+        </p:txBody>
+      </p:sp>
+      <p:sp>
+        <p:nvSpPr>
+          <p:cNvPr id="2" name="Title 1">
+            <a:extLst>
+              <a:ext uri="{FF2B5EF4-FFF2-40B4-BE49-F238E27FC236}">
+                <a16:creationId xmlns:a16="http://schemas.microsoft.com/office/drawing/2014/main" id="{07A17298-46A3-4F06-827A-C192D0DEE20D}"/>
+              </a:ext>
+            </a:extLst>
+          </p:cNvPr>
+          <p:cNvSpPr>
+            <a:spLocks noGrp="1"/>
+          </p:cNvSpPr>
+          <p:nvPr>
+            <p:ph type="title"/>
+          </p:nvPr>
+        </p:nvSpPr>
+        <p:spPr>
+          <a:xfrm>
+            <a:off x="1333502" y="609600"/>
+            <a:ext cx="8596668" cy="1320800"/>
+          </a:xfrm>
+        </p:spPr>
+        <p:txBody>
+          <a:bodyPr>
+            <a:normAutofit/>
+          </a:bodyPr>
+          <a:lstStyle/>
+          <a:p>
+            <a:r>
+              <a:rPr lang="en-US" dirty="0"/>
+              <a:t>TESTING</a:t>
+            </a:r>
+          </a:p>
+        </p:txBody>
+      </p:sp>
+      <p:sp>
+        <p:nvSpPr>
+          <p:cNvPr id="10" name="Isosceles Triangle 9">
+            <a:extLst>
+              <a:ext uri="{FF2B5EF4-FFF2-40B4-BE49-F238E27FC236}">
+                <a16:creationId xmlns:a16="http://schemas.microsoft.com/office/drawing/2014/main" id="{C2C29CB1-9F74-4879-A6AF-AEA67B6F1F4D}"/>
+              </a:ext>
+              <a:ext uri="{C183D7F6-B498-43B3-948B-1728B52AA6E4}">
+                <adec:decorative xmlns:adec="http://schemas.microsoft.com/office/drawing/2017/decorative" val="1"/>
+              </a:ext>
+            </a:extLst>
+          </p:cNvPr>
+          <p:cNvSpPr>
+            <a:spLocks noGrp="1" noRot="1" noChangeAspect="1" noMove="1" noResize="1" noEditPoints="1" noAdjustHandles="1" noChangeArrowheads="1" noChangeShapeType="1" noTextEdit="1"/>
+          </p:cNvSpPr>
+          <p:nvPr>
+            <p:extLst>
+              <p:ext uri="{386F3935-93C4-4BCD-93E2-E3B085C9AB24}">
+                <p16:designElem xmlns:p16="http://schemas.microsoft.com/office/powerpoint/2015/main" val="1"/>
+              </p:ext>
+            </p:extLst>
+          </p:nvPr>
+        </p:nvSpPr>
+        <p:spPr>
+          <a:xfrm rot="10800000">
+            <a:off x="0" y="0"/>
+            <a:ext cx="842596" cy="5666154"/>
+          </a:xfrm>
+          <a:prstGeom prst="triangle">
+            <a:avLst>
+              <a:gd name="adj" fmla="val 100000"/>
+            </a:avLst>
+          </a:prstGeom>
+          <a:solidFill>
+            <a:schemeClr val="accent1">
+              <a:alpha val="85000"/>
+            </a:schemeClr>
+          </a:solidFill>
+          <a:ln>
+            <a:noFill/>
+          </a:ln>
+          <a:effectLst/>
+        </p:spPr>
+        <p:style>
+          <a:lnRef idx="1">
+            <a:schemeClr val="accent1"/>
+          </a:lnRef>
+          <a:fillRef idx="3">
+            <a:schemeClr val="accent1"/>
+          </a:fillRef>
+          <a:effectRef idx="2">
+            <a:schemeClr val="accent1"/>
+          </a:effectRef>
+          <a:fontRef idx="minor">
+            <a:schemeClr val="lt1"/>
+          </a:fontRef>
+        </p:style>
+      </p:sp>
+      <p:sp>
+        <p:nvSpPr>
+          <p:cNvPr id="3" name="Content Placeholder 2">
+            <a:extLst>
+              <a:ext uri="{FF2B5EF4-FFF2-40B4-BE49-F238E27FC236}">
+                <a16:creationId xmlns:a16="http://schemas.microsoft.com/office/drawing/2014/main" id="{4238D75C-236C-4268-9151-68FA39A1D5F5}"/>
+              </a:ext>
+            </a:extLst>
+          </p:cNvPr>
+          <p:cNvSpPr>
+            <a:spLocks noGrp="1"/>
+          </p:cNvSpPr>
+          <p:nvPr>
+            <p:ph idx="1"/>
+          </p:nvPr>
+        </p:nvSpPr>
+        <p:spPr>
+          <a:xfrm>
+            <a:off x="1333502" y="1683069"/>
+            <a:ext cx="8596668" cy="3880773"/>
+          </a:xfrm>
+        </p:spPr>
+        <p:txBody>
+          <a:bodyPr>
+            <a:normAutofit/>
+          </a:bodyPr>
+          <a:lstStyle/>
+          <a:p>
+            <a:r>
+              <a:rPr lang="en-US" dirty="0"/>
+              <a:t>Bottom Up Approach</a:t>
+            </a:r>
+          </a:p>
+        </p:txBody>
+      </p:sp>
+      <p:sp>
+        <p:nvSpPr>
+          <p:cNvPr id="12" name="Isosceles Triangle 11">
+            <a:extLst>
+              <a:ext uri="{FF2B5EF4-FFF2-40B4-BE49-F238E27FC236}">
+                <a16:creationId xmlns:a16="http://schemas.microsoft.com/office/drawing/2014/main" id="{7E2C7115-5336-410C-AD71-0F0952A2E5A7}"/>
+              </a:ext>
+              <a:ext uri="{C183D7F6-B498-43B3-948B-1728B52AA6E4}">
+                <adec:decorative xmlns:adec="http://schemas.microsoft.com/office/drawing/2017/decorative" val="1"/>
+              </a:ext>
+            </a:extLst>
+          </p:cNvPr>
+          <p:cNvSpPr>
+            <a:spLocks noGrp="1" noRot="1" noChangeAspect="1" noMove="1" noResize="1" noEditPoints="1" noAdjustHandles="1" noChangeArrowheads="1" noChangeShapeType="1" noTextEdit="1"/>
+          </p:cNvSpPr>
+          <p:nvPr>
+            <p:extLst>
+              <p:ext uri="{386F3935-93C4-4BCD-93E2-E3B085C9AB24}">
+                <p16:designElem xmlns:p16="http://schemas.microsoft.com/office/powerpoint/2015/main" val="1"/>
+              </p:ext>
+            </p:extLst>
+          </p:nvPr>
+        </p:nvSpPr>
+        <p:spPr>
+          <a:xfrm flipH="1">
+            <a:off x="11743267" y="4013200"/>
+            <a:ext cx="448733" cy="2844800"/>
+          </a:xfrm>
+          <a:prstGeom prst="triangle">
+            <a:avLst>
+              <a:gd name="adj" fmla="val 0"/>
+            </a:avLst>
+          </a:prstGeom>
+          <a:solidFill>
+            <a:schemeClr val="accent1">
+              <a:alpha val="85000"/>
+            </a:schemeClr>
+          </a:solidFill>
+          <a:ln>
+            <a:noFill/>
+          </a:ln>
+          <a:effectLst/>
+        </p:spPr>
+        <p:style>
+          <a:lnRef idx="1">
+            <a:schemeClr val="accent1"/>
+          </a:lnRef>
+          <a:fillRef idx="3">
+            <a:schemeClr val="accent1"/>
+          </a:fillRef>
+          <a:effectRef idx="2">
+            <a:schemeClr val="accent1"/>
+          </a:effectRef>
+          <a:fontRef idx="minor">
+            <a:schemeClr val="lt1"/>
+          </a:fontRef>
+        </p:style>
+      </p:sp>
+      <p:pic>
+        <p:nvPicPr>
           <p:cNvPr id="9" name="Picture 8">
             <a:extLst>
               <a:ext uri="{FF2B5EF4-FFF2-40B4-BE49-F238E27FC236}">
@@ -12209,7 +12573,7 @@
 </p:sld>
 </file>
 
-<file path=ppt/slides/slide22.xml><?xml version="1.0" encoding="utf-8"?>
+<file path=ppt/slides/slide23.xml><?xml version="1.0" encoding="utf-8"?>
 <p:sld xmlns:a="http://schemas.openxmlformats.org/drawingml/2006/main" xmlns:r="http://schemas.openxmlformats.org/officeDocument/2006/relationships" xmlns:p="http://schemas.openxmlformats.org/presentationml/2006/main">
   <p:cSld>
     <p:bg>
